--- a/docs/Slides.pptx
+++ b/docs/Slides.pptx
@@ -9,20 +9,19 @@
     <p:sldId id="257" r:id="rId3"/>
     <p:sldId id="258" r:id="rId4"/>
     <p:sldId id="259" r:id="rId5"/>
-    <p:sldId id="260" r:id="rId6"/>
-    <p:sldId id="261" r:id="rId7"/>
-    <p:sldId id="274" r:id="rId8"/>
-    <p:sldId id="262" r:id="rId9"/>
-    <p:sldId id="263" r:id="rId10"/>
-    <p:sldId id="266" r:id="rId11"/>
-    <p:sldId id="265" r:id="rId12"/>
-    <p:sldId id="264" r:id="rId13"/>
-    <p:sldId id="267" r:id="rId14"/>
-    <p:sldId id="268" r:id="rId15"/>
-    <p:sldId id="269" r:id="rId16"/>
-    <p:sldId id="271" r:id="rId17"/>
-    <p:sldId id="272" r:id="rId18"/>
-    <p:sldId id="273" r:id="rId19"/>
+    <p:sldId id="261" r:id="rId6"/>
+    <p:sldId id="274" r:id="rId7"/>
+    <p:sldId id="262" r:id="rId8"/>
+    <p:sldId id="263" r:id="rId9"/>
+    <p:sldId id="266" r:id="rId10"/>
+    <p:sldId id="265" r:id="rId11"/>
+    <p:sldId id="264" r:id="rId12"/>
+    <p:sldId id="267" r:id="rId13"/>
+    <p:sldId id="268" r:id="rId14"/>
+    <p:sldId id="269" r:id="rId15"/>
+    <p:sldId id="271" r:id="rId16"/>
+    <p:sldId id="272" r:id="rId17"/>
+    <p:sldId id="273" r:id="rId18"/>
   </p:sldIdLst>
   <p:sldSz cx="12192000" cy="6858000"/>
   <p:notesSz cx="6858000" cy="9144000"/>
@@ -11056,7 +11055,7 @@
           <a:p>
             <a:fld id="{B3FBE7C8-F44F-46A4-ADFD-275A97E64713}" type="datetimeFigureOut">
               <a:rPr lang="it-IT" smtClean="0"/>
-              <a:t>31/08/2024</a:t>
+              <a:t>01/09/2024</a:t>
             </a:fld>
             <a:endParaRPr lang="it-IT"/>
           </a:p>
@@ -11110,7 +11109,7 @@
           <a:p>
             <a:fld id="{FD32C36A-C476-4D87-9FEE-A75765A1B5AE}" type="slidenum">
               <a:rPr lang="it-IT" smtClean="0"/>
-              <a:t>‹N›</a:t>
+              <a:t>‹#›</a:t>
             </a:fld>
             <a:endParaRPr lang="it-IT"/>
           </a:p>
@@ -11254,7 +11253,7 @@
           <a:p>
             <a:fld id="{B3FBE7C8-F44F-46A4-ADFD-275A97E64713}" type="datetimeFigureOut">
               <a:rPr lang="it-IT" smtClean="0"/>
-              <a:t>31/08/2024</a:t>
+              <a:t>01/09/2024</a:t>
             </a:fld>
             <a:endParaRPr lang="it-IT"/>
           </a:p>
@@ -11308,7 +11307,7 @@
           <a:p>
             <a:fld id="{FD32C36A-C476-4D87-9FEE-A75765A1B5AE}" type="slidenum">
               <a:rPr lang="it-IT" smtClean="0"/>
-              <a:t>‹N›</a:t>
+              <a:t>‹#›</a:t>
             </a:fld>
             <a:endParaRPr lang="it-IT"/>
           </a:p>
@@ -11462,7 +11461,7 @@
           <a:p>
             <a:fld id="{B3FBE7C8-F44F-46A4-ADFD-275A97E64713}" type="datetimeFigureOut">
               <a:rPr lang="it-IT" smtClean="0"/>
-              <a:t>31/08/2024</a:t>
+              <a:t>01/09/2024</a:t>
             </a:fld>
             <a:endParaRPr lang="it-IT"/>
           </a:p>
@@ -11516,7 +11515,7 @@
           <a:p>
             <a:fld id="{FD32C36A-C476-4D87-9FEE-A75765A1B5AE}" type="slidenum">
               <a:rPr lang="it-IT" smtClean="0"/>
-              <a:t>‹N›</a:t>
+              <a:t>‹#›</a:t>
             </a:fld>
             <a:endParaRPr lang="it-IT"/>
           </a:p>
@@ -11660,7 +11659,7 @@
           <a:p>
             <a:fld id="{B3FBE7C8-F44F-46A4-ADFD-275A97E64713}" type="datetimeFigureOut">
               <a:rPr lang="it-IT" smtClean="0"/>
-              <a:t>31/08/2024</a:t>
+              <a:t>01/09/2024</a:t>
             </a:fld>
             <a:endParaRPr lang="it-IT"/>
           </a:p>
@@ -11714,7 +11713,7 @@
           <a:p>
             <a:fld id="{FD32C36A-C476-4D87-9FEE-A75765A1B5AE}" type="slidenum">
               <a:rPr lang="it-IT" smtClean="0"/>
-              <a:t>‹N›</a:t>
+              <a:t>‹#›</a:t>
             </a:fld>
             <a:endParaRPr lang="it-IT"/>
           </a:p>
@@ -11935,7 +11934,7 @@
           <a:p>
             <a:fld id="{B3FBE7C8-F44F-46A4-ADFD-275A97E64713}" type="datetimeFigureOut">
               <a:rPr lang="it-IT" smtClean="0"/>
-              <a:t>31/08/2024</a:t>
+              <a:t>01/09/2024</a:t>
             </a:fld>
             <a:endParaRPr lang="it-IT"/>
           </a:p>
@@ -11989,7 +11988,7 @@
           <a:p>
             <a:fld id="{FD32C36A-C476-4D87-9FEE-A75765A1B5AE}" type="slidenum">
               <a:rPr lang="it-IT" smtClean="0"/>
-              <a:t>‹N›</a:t>
+              <a:t>‹#›</a:t>
             </a:fld>
             <a:endParaRPr lang="it-IT"/>
           </a:p>
@@ -12200,7 +12199,7 @@
           <a:p>
             <a:fld id="{B3FBE7C8-F44F-46A4-ADFD-275A97E64713}" type="datetimeFigureOut">
               <a:rPr lang="it-IT" smtClean="0"/>
-              <a:t>31/08/2024</a:t>
+              <a:t>01/09/2024</a:t>
             </a:fld>
             <a:endParaRPr lang="it-IT"/>
           </a:p>
@@ -12254,7 +12253,7 @@
           <a:p>
             <a:fld id="{FD32C36A-C476-4D87-9FEE-A75765A1B5AE}" type="slidenum">
               <a:rPr lang="it-IT" smtClean="0"/>
-              <a:t>‹N›</a:t>
+              <a:t>‹#›</a:t>
             </a:fld>
             <a:endParaRPr lang="it-IT"/>
           </a:p>
@@ -12612,7 +12611,7 @@
           <a:p>
             <a:fld id="{B3FBE7C8-F44F-46A4-ADFD-275A97E64713}" type="datetimeFigureOut">
               <a:rPr lang="it-IT" smtClean="0"/>
-              <a:t>31/08/2024</a:t>
+              <a:t>01/09/2024</a:t>
             </a:fld>
             <a:endParaRPr lang="it-IT"/>
           </a:p>
@@ -12666,7 +12665,7 @@
           <a:p>
             <a:fld id="{FD32C36A-C476-4D87-9FEE-A75765A1B5AE}" type="slidenum">
               <a:rPr lang="it-IT" smtClean="0"/>
-              <a:t>‹N›</a:t>
+              <a:t>‹#›</a:t>
             </a:fld>
             <a:endParaRPr lang="it-IT"/>
           </a:p>
@@ -12753,7 +12752,7 @@
           <a:p>
             <a:fld id="{B3FBE7C8-F44F-46A4-ADFD-275A97E64713}" type="datetimeFigureOut">
               <a:rPr lang="it-IT" smtClean="0"/>
-              <a:t>31/08/2024</a:t>
+              <a:t>01/09/2024</a:t>
             </a:fld>
             <a:endParaRPr lang="it-IT"/>
           </a:p>
@@ -12807,7 +12806,7 @@
           <a:p>
             <a:fld id="{FD32C36A-C476-4D87-9FEE-A75765A1B5AE}" type="slidenum">
               <a:rPr lang="it-IT" smtClean="0"/>
-              <a:t>‹N›</a:t>
+              <a:t>‹#›</a:t>
             </a:fld>
             <a:endParaRPr lang="it-IT"/>
           </a:p>
@@ -12866,7 +12865,7 @@
           <a:p>
             <a:fld id="{B3FBE7C8-F44F-46A4-ADFD-275A97E64713}" type="datetimeFigureOut">
               <a:rPr lang="it-IT" smtClean="0"/>
-              <a:t>31/08/2024</a:t>
+              <a:t>01/09/2024</a:t>
             </a:fld>
             <a:endParaRPr lang="it-IT"/>
           </a:p>
@@ -12920,7 +12919,7 @@
           <a:p>
             <a:fld id="{FD32C36A-C476-4D87-9FEE-A75765A1B5AE}" type="slidenum">
               <a:rPr lang="it-IT" smtClean="0"/>
-              <a:t>‹N›</a:t>
+              <a:t>‹#›</a:t>
             </a:fld>
             <a:endParaRPr lang="it-IT"/>
           </a:p>
@@ -13177,7 +13176,7 @@
           <a:p>
             <a:fld id="{B3FBE7C8-F44F-46A4-ADFD-275A97E64713}" type="datetimeFigureOut">
               <a:rPr lang="it-IT" smtClean="0"/>
-              <a:t>31/08/2024</a:t>
+              <a:t>01/09/2024</a:t>
             </a:fld>
             <a:endParaRPr lang="it-IT"/>
           </a:p>
@@ -13231,7 +13230,7 @@
           <a:p>
             <a:fld id="{FD32C36A-C476-4D87-9FEE-A75765A1B5AE}" type="slidenum">
               <a:rPr lang="it-IT" smtClean="0"/>
-              <a:t>‹N›</a:t>
+              <a:t>‹#›</a:t>
             </a:fld>
             <a:endParaRPr lang="it-IT"/>
           </a:p>
@@ -13465,7 +13464,7 @@
           <a:p>
             <a:fld id="{B3FBE7C8-F44F-46A4-ADFD-275A97E64713}" type="datetimeFigureOut">
               <a:rPr lang="it-IT" smtClean="0"/>
-              <a:t>31/08/2024</a:t>
+              <a:t>01/09/2024</a:t>
             </a:fld>
             <a:endParaRPr lang="it-IT"/>
           </a:p>
@@ -13519,7 +13518,7 @@
           <a:p>
             <a:fld id="{FD32C36A-C476-4D87-9FEE-A75765A1B5AE}" type="slidenum">
               <a:rPr lang="it-IT" smtClean="0"/>
-              <a:t>‹N›</a:t>
+              <a:t>‹#›</a:t>
             </a:fld>
             <a:endParaRPr lang="it-IT"/>
           </a:p>
@@ -13706,7 +13705,7 @@
           <a:p>
             <a:fld id="{B3FBE7C8-F44F-46A4-ADFD-275A97E64713}" type="datetimeFigureOut">
               <a:rPr lang="it-IT" smtClean="0"/>
-              <a:t>31/08/2024</a:t>
+              <a:t>01/09/2024</a:t>
             </a:fld>
             <a:endParaRPr lang="it-IT"/>
           </a:p>
@@ -13796,7 +13795,7 @@
           <a:p>
             <a:fld id="{FD32C36A-C476-4D87-9FEE-A75765A1B5AE}" type="slidenum">
               <a:rPr lang="it-IT" smtClean="0"/>
-              <a:t>‹N›</a:t>
+              <a:t>‹#›</a:t>
             </a:fld>
             <a:endParaRPr lang="it-IT"/>
           </a:p>
@@ -14942,306 +14941,6 @@
               <a:rPr lang="en-US" dirty="0">
                 <a:latin typeface="Aptos SemiBold" panose="020B0004020202020204" pitchFamily="34" charset="0"/>
               </a:rPr>
-              <a:t>Reaching a target – Reward Function</a:t>
-            </a:r>
-            <a:endParaRPr lang="it-IT" dirty="0">
-              <a:latin typeface="Aptos SemiBold" panose="020B0004020202020204" pitchFamily="34" charset="0"/>
-            </a:endParaRPr>
-          </a:p>
-        </p:txBody>
-      </p:sp>
-      <p:pic>
-        <p:nvPicPr>
-          <p:cNvPr id="4" name="Immagine 3">
-            <a:extLst>
-              <a:ext uri="{FF2B5EF4-FFF2-40B4-BE49-F238E27FC236}">
-                <a16:creationId xmlns:a16="http://schemas.microsoft.com/office/drawing/2014/main" id="{CB1FFB52-928C-7EDA-3C3B-6E1F60CA0E58}"/>
-              </a:ext>
-            </a:extLst>
-          </p:cNvPr>
-          <p:cNvPicPr>
-            <a:picLocks noChangeAspect="1"/>
-          </p:cNvPicPr>
-          <p:nvPr/>
-        </p:nvPicPr>
-        <p:blipFill>
-          <a:blip r:embed="rId2"/>
-          <a:stretch>
-            <a:fillRect/>
-          </a:stretch>
-        </p:blipFill>
-        <p:spPr>
-          <a:xfrm>
-            <a:off x="838200" y="1487928"/>
-            <a:ext cx="6142782" cy="36000"/>
-          </a:xfrm>
-          <a:prstGeom prst="rect">
-            <a:avLst/>
-          </a:prstGeom>
-        </p:spPr>
-      </p:pic>
-      <p:sp>
-        <p:nvSpPr>
-          <p:cNvPr id="5" name="Segnaposto contenuto 2">
-            <a:extLst>
-              <a:ext uri="{FF2B5EF4-FFF2-40B4-BE49-F238E27FC236}">
-                <a16:creationId xmlns:a16="http://schemas.microsoft.com/office/drawing/2014/main" id="{5C886F07-EA7B-3583-3F0E-C33A5A18A369}"/>
-              </a:ext>
-            </a:extLst>
-          </p:cNvPr>
-          <p:cNvSpPr txBox="1">
-            <a:spLocks/>
-          </p:cNvSpPr>
-          <p:nvPr/>
-        </p:nvSpPr>
-        <p:spPr>
-          <a:xfrm>
-            <a:off x="990600" y="1978025"/>
-            <a:ext cx="4172339" cy="4351338"/>
-          </a:xfrm>
-          <a:prstGeom prst="rect">
-            <a:avLst/>
-          </a:prstGeom>
-        </p:spPr>
-        <p:txBody>
-          <a:bodyPr vert="horz" lIns="91440" tIns="45720" rIns="91440" bIns="45720" rtlCol="0">
-            <a:normAutofit/>
-          </a:bodyPr>
-          <a:lstStyle>
-            <a:lvl1pPr marL="228600" indent="-228600" algn="l" defTabSz="914400" rtl="0" eaLnBrk="1" latinLnBrk="0" hangingPunct="1">
-              <a:lnSpc>
-                <a:spcPct val="90000"/>
-              </a:lnSpc>
-              <a:spcBef>
-                <a:spcPts val="1000"/>
-              </a:spcBef>
-              <a:buFont typeface="Arial" panose="020B0604020202020204" pitchFamily="34" charset="0"/>
-              <a:buChar char="•"/>
-              <a:defRPr sz="2800" kern="1200">
-                <a:solidFill>
-                  <a:schemeClr val="tx1"/>
-                </a:solidFill>
-                <a:latin typeface="+mn-lt"/>
-                <a:ea typeface="+mn-ea"/>
-                <a:cs typeface="+mn-cs"/>
-              </a:defRPr>
-            </a:lvl1pPr>
-            <a:lvl2pPr marL="685800" indent="-228600" algn="l" defTabSz="914400" rtl="0" eaLnBrk="1" latinLnBrk="0" hangingPunct="1">
-              <a:lnSpc>
-                <a:spcPct val="90000"/>
-              </a:lnSpc>
-              <a:spcBef>
-                <a:spcPts val="500"/>
-              </a:spcBef>
-              <a:buFont typeface="Arial" panose="020B0604020202020204" pitchFamily="34" charset="0"/>
-              <a:buChar char="•"/>
-              <a:defRPr sz="2400" kern="1200">
-                <a:solidFill>
-                  <a:schemeClr val="tx1"/>
-                </a:solidFill>
-                <a:latin typeface="+mn-lt"/>
-                <a:ea typeface="+mn-ea"/>
-                <a:cs typeface="+mn-cs"/>
-              </a:defRPr>
-            </a:lvl2pPr>
-            <a:lvl3pPr marL="1143000" indent="-228600" algn="l" defTabSz="914400" rtl="0" eaLnBrk="1" latinLnBrk="0" hangingPunct="1">
-              <a:lnSpc>
-                <a:spcPct val="90000"/>
-              </a:lnSpc>
-              <a:spcBef>
-                <a:spcPts val="500"/>
-              </a:spcBef>
-              <a:buFont typeface="Arial" panose="020B0604020202020204" pitchFamily="34" charset="0"/>
-              <a:buChar char="•"/>
-              <a:defRPr sz="2000" kern="1200">
-                <a:solidFill>
-                  <a:schemeClr val="tx1"/>
-                </a:solidFill>
-                <a:latin typeface="+mn-lt"/>
-                <a:ea typeface="+mn-ea"/>
-                <a:cs typeface="+mn-cs"/>
-              </a:defRPr>
-            </a:lvl3pPr>
-            <a:lvl4pPr marL="1600200" indent="-228600" algn="l" defTabSz="914400" rtl="0" eaLnBrk="1" latinLnBrk="0" hangingPunct="1">
-              <a:lnSpc>
-                <a:spcPct val="90000"/>
-              </a:lnSpc>
-              <a:spcBef>
-                <a:spcPts val="500"/>
-              </a:spcBef>
-              <a:buFont typeface="Arial" panose="020B0604020202020204" pitchFamily="34" charset="0"/>
-              <a:buChar char="•"/>
-              <a:defRPr sz="1800" kern="1200">
-                <a:solidFill>
-                  <a:schemeClr val="tx1"/>
-                </a:solidFill>
-                <a:latin typeface="+mn-lt"/>
-                <a:ea typeface="+mn-ea"/>
-                <a:cs typeface="+mn-cs"/>
-              </a:defRPr>
-            </a:lvl4pPr>
-            <a:lvl5pPr marL="2057400" indent="-228600" algn="l" defTabSz="914400" rtl="0" eaLnBrk="1" latinLnBrk="0" hangingPunct="1">
-              <a:lnSpc>
-                <a:spcPct val="90000"/>
-              </a:lnSpc>
-              <a:spcBef>
-                <a:spcPts val="500"/>
-              </a:spcBef>
-              <a:buFont typeface="Arial" panose="020B0604020202020204" pitchFamily="34" charset="0"/>
-              <a:buChar char="•"/>
-              <a:defRPr sz="1800" kern="1200">
-                <a:solidFill>
-                  <a:schemeClr val="tx1"/>
-                </a:solidFill>
-                <a:latin typeface="+mn-lt"/>
-                <a:ea typeface="+mn-ea"/>
-                <a:cs typeface="+mn-cs"/>
-              </a:defRPr>
-            </a:lvl5pPr>
-            <a:lvl6pPr marL="2514600" indent="-228600" algn="l" defTabSz="914400" rtl="0" eaLnBrk="1" latinLnBrk="0" hangingPunct="1">
-              <a:lnSpc>
-                <a:spcPct val="90000"/>
-              </a:lnSpc>
-              <a:spcBef>
-                <a:spcPts val="500"/>
-              </a:spcBef>
-              <a:buFont typeface="Arial" panose="020B0604020202020204" pitchFamily="34" charset="0"/>
-              <a:buChar char="•"/>
-              <a:defRPr sz="1800" kern="1200">
-                <a:solidFill>
-                  <a:schemeClr val="tx1"/>
-                </a:solidFill>
-                <a:latin typeface="+mn-lt"/>
-                <a:ea typeface="+mn-ea"/>
-                <a:cs typeface="+mn-cs"/>
-              </a:defRPr>
-            </a:lvl6pPr>
-            <a:lvl7pPr marL="2971800" indent="-228600" algn="l" defTabSz="914400" rtl="0" eaLnBrk="1" latinLnBrk="0" hangingPunct="1">
-              <a:lnSpc>
-                <a:spcPct val="90000"/>
-              </a:lnSpc>
-              <a:spcBef>
-                <a:spcPts val="500"/>
-              </a:spcBef>
-              <a:buFont typeface="Arial" panose="020B0604020202020204" pitchFamily="34" charset="0"/>
-              <a:buChar char="•"/>
-              <a:defRPr sz="1800" kern="1200">
-                <a:solidFill>
-                  <a:schemeClr val="tx1"/>
-                </a:solidFill>
-                <a:latin typeface="+mn-lt"/>
-                <a:ea typeface="+mn-ea"/>
-                <a:cs typeface="+mn-cs"/>
-              </a:defRPr>
-            </a:lvl7pPr>
-            <a:lvl8pPr marL="3429000" indent="-228600" algn="l" defTabSz="914400" rtl="0" eaLnBrk="1" latinLnBrk="0" hangingPunct="1">
-              <a:lnSpc>
-                <a:spcPct val="90000"/>
-              </a:lnSpc>
-              <a:spcBef>
-                <a:spcPts val="500"/>
-              </a:spcBef>
-              <a:buFont typeface="Arial" panose="020B0604020202020204" pitchFamily="34" charset="0"/>
-              <a:buChar char="•"/>
-              <a:defRPr sz="1800" kern="1200">
-                <a:solidFill>
-                  <a:schemeClr val="tx1"/>
-                </a:solidFill>
-                <a:latin typeface="+mn-lt"/>
-                <a:ea typeface="+mn-ea"/>
-                <a:cs typeface="+mn-cs"/>
-              </a:defRPr>
-            </a:lvl8pPr>
-            <a:lvl9pPr marL="3886200" indent="-228600" algn="l" defTabSz="914400" rtl="0" eaLnBrk="1" latinLnBrk="0" hangingPunct="1">
-              <a:lnSpc>
-                <a:spcPct val="90000"/>
-              </a:lnSpc>
-              <a:spcBef>
-                <a:spcPts val="500"/>
-              </a:spcBef>
-              <a:buFont typeface="Arial" panose="020B0604020202020204" pitchFamily="34" charset="0"/>
-              <a:buChar char="•"/>
-              <a:defRPr sz="1800" kern="1200">
-                <a:solidFill>
-                  <a:schemeClr val="tx1"/>
-                </a:solidFill>
-                <a:latin typeface="+mn-lt"/>
-                <a:ea typeface="+mn-ea"/>
-                <a:cs typeface="+mn-cs"/>
-              </a:defRPr>
-            </a:lvl9pPr>
-          </a:lstStyle>
-          <a:p>
-            <a:endParaRPr lang="it-IT" sz="2400"/>
-          </a:p>
-          <a:p>
-            <a:endParaRPr lang="it-IT"/>
-          </a:p>
-          <a:p>
-            <a:endParaRPr lang="it-IT"/>
-          </a:p>
-          <a:p>
-            <a:endParaRPr lang="it-IT" dirty="0"/>
-          </a:p>
-        </p:txBody>
-      </p:sp>
-    </p:spTree>
-    <p:extLst>
-      <p:ext uri="{BB962C8B-B14F-4D97-AF65-F5344CB8AC3E}">
-        <p14:creationId xmlns:p14="http://schemas.microsoft.com/office/powerpoint/2010/main" val="2103946519"/>
-      </p:ext>
-    </p:extLst>
-  </p:cSld>
-  <p:clrMapOvr>
-    <a:masterClrMapping/>
-  </p:clrMapOvr>
-</p:sld>
-</file>
-
-<file path=ppt/slides/slide11.xml><?xml version="1.0" encoding="utf-8"?>
-<p:sld xmlns:a="http://schemas.openxmlformats.org/drawingml/2006/main" xmlns:r="http://schemas.openxmlformats.org/officeDocument/2006/relationships" xmlns:p="http://schemas.openxmlformats.org/presentationml/2006/main">
-  <p:cSld>
-    <p:spTree>
-      <p:nvGrpSpPr>
-        <p:cNvPr id="1" name=""/>
-        <p:cNvGrpSpPr/>
-        <p:nvPr/>
-      </p:nvGrpSpPr>
-      <p:grpSpPr>
-        <a:xfrm>
-          <a:off x="0" y="0"/>
-          <a:ext cx="0" cy="0"/>
-          <a:chOff x="0" y="0"/>
-          <a:chExt cx="0" cy="0"/>
-        </a:xfrm>
-      </p:grpSpPr>
-      <p:sp>
-        <p:nvSpPr>
-          <p:cNvPr id="2" name="Titolo 1">
-            <a:extLst>
-              <a:ext uri="{FF2B5EF4-FFF2-40B4-BE49-F238E27FC236}">
-                <a16:creationId xmlns:a16="http://schemas.microsoft.com/office/drawing/2014/main" id="{D5F58EEC-3A74-ACCB-9A51-3B63C7A951AF}"/>
-              </a:ext>
-            </a:extLst>
-          </p:cNvPr>
-          <p:cNvSpPr>
-            <a:spLocks noGrp="1"/>
-          </p:cNvSpPr>
-          <p:nvPr>
-            <p:ph type="title"/>
-          </p:nvPr>
-        </p:nvSpPr>
-        <p:spPr/>
-        <p:txBody>
-          <a:bodyPr>
-            <a:normAutofit/>
-          </a:bodyPr>
-          <a:lstStyle/>
-          <a:p>
-            <a:r>
-              <a:rPr lang="en-US" dirty="0">
-                <a:latin typeface="Aptos SemiBold" panose="020B0004020202020204" pitchFamily="34" charset="0"/>
-              </a:rPr>
               <a:t>Reaching a target - Training</a:t>
             </a:r>
             <a:endParaRPr lang="it-IT" dirty="0">
@@ -15534,7 +15233,7 @@
 </p:sld>
 </file>
 
-<file path=ppt/slides/slide12.xml><?xml version="1.0" encoding="utf-8"?>
+<file path=ppt/slides/slide11.xml><?xml version="1.0" encoding="utf-8"?>
 <p:sld xmlns:a="http://schemas.openxmlformats.org/drawingml/2006/main" xmlns:r="http://schemas.openxmlformats.org/officeDocument/2006/relationships" xmlns:p="http://schemas.openxmlformats.org/presentationml/2006/main">
   <p:cSld>
     <p:spTree>
@@ -15870,7 +15569,7 @@
 </p:sld>
 </file>
 
-<file path=ppt/slides/slide13.xml><?xml version="1.0" encoding="utf-8"?>
+<file path=ppt/slides/slide12.xml><?xml version="1.0" encoding="utf-8"?>
 <p:sld xmlns:a="http://schemas.openxmlformats.org/drawingml/2006/main" xmlns:r="http://schemas.openxmlformats.org/officeDocument/2006/relationships" xmlns:p="http://schemas.openxmlformats.org/presentationml/2006/main">
   <p:cSld>
     <p:spTree>
@@ -17069,7 +16768,7 @@
 </p:sld>
 </file>
 
-<file path=ppt/slides/slide14.xml><?xml version="1.0" encoding="utf-8"?>
+<file path=ppt/slides/slide13.xml><?xml version="1.0" encoding="utf-8"?>
 <p:sld xmlns:a="http://schemas.openxmlformats.org/drawingml/2006/main" xmlns:r="http://schemas.openxmlformats.org/officeDocument/2006/relationships" xmlns:p="http://schemas.openxmlformats.org/presentationml/2006/main">
   <p:cSld>
     <p:spTree>
@@ -17229,7 +16928,7 @@
 </p:sld>
 </file>
 
-<file path=ppt/slides/slide15.xml><?xml version="1.0" encoding="utf-8"?>
+<file path=ppt/slides/slide14.xml><?xml version="1.0" encoding="utf-8"?>
 <p:sld xmlns:a="http://schemas.openxmlformats.org/drawingml/2006/main" xmlns:r="http://schemas.openxmlformats.org/officeDocument/2006/relationships" xmlns:p="http://schemas.openxmlformats.org/presentationml/2006/main">
   <p:cSld>
     <p:spTree>
@@ -18806,7 +18505,7 @@
 </p:sld>
 </file>
 
-<file path=ppt/slides/slide16.xml><?xml version="1.0" encoding="utf-8"?>
+<file path=ppt/slides/slide15.xml><?xml version="1.0" encoding="utf-8"?>
 <p:sld xmlns:a="http://schemas.openxmlformats.org/drawingml/2006/main" xmlns:r="http://schemas.openxmlformats.org/officeDocument/2006/relationships" xmlns:p="http://schemas.openxmlformats.org/presentationml/2006/main">
   <p:cSld>
     <p:spTree>
@@ -18966,7 +18665,7 @@
 </p:sld>
 </file>
 
-<file path=ppt/slides/slide17.xml><?xml version="1.0" encoding="utf-8"?>
+<file path=ppt/slides/slide16.xml><?xml version="1.0" encoding="utf-8"?>
 <p:sld xmlns:a="http://schemas.openxmlformats.org/drawingml/2006/main" xmlns:r="http://schemas.openxmlformats.org/officeDocument/2006/relationships" xmlns:p="http://schemas.openxmlformats.org/presentationml/2006/main">
   <p:cSld>
     <p:bg>
@@ -20234,7 +19933,7 @@
 </p:sld>
 </file>
 
-<file path=ppt/slides/slide18.xml><?xml version="1.0" encoding="utf-8"?>
+<file path=ppt/slides/slide17.xml><?xml version="1.0" encoding="utf-8"?>
 <p:sld xmlns:a="http://schemas.openxmlformats.org/drawingml/2006/main" xmlns:r="http://schemas.openxmlformats.org/officeDocument/2006/relationships" xmlns:p="http://schemas.openxmlformats.org/presentationml/2006/main">
   <p:cSld>
     <p:spTree>
@@ -21252,695 +20951,6 @@
 </file>
 
 <file path=ppt/slides/slide5.xml><?xml version="1.0" encoding="utf-8"?>
-<p:sld xmlns:a="http://schemas.openxmlformats.org/drawingml/2006/main" xmlns:r="http://schemas.openxmlformats.org/officeDocument/2006/relationships" xmlns:p="http://schemas.openxmlformats.org/presentationml/2006/main" show="0">
-  <p:cSld>
-    <p:spTree>
-      <p:nvGrpSpPr>
-        <p:cNvPr id="1" name=""/>
-        <p:cNvGrpSpPr/>
-        <p:nvPr/>
-      </p:nvGrpSpPr>
-      <p:grpSpPr>
-        <a:xfrm>
-          <a:off x="0" y="0"/>
-          <a:ext cx="0" cy="0"/>
-          <a:chOff x="0" y="0"/>
-          <a:chExt cx="0" cy="0"/>
-        </a:xfrm>
-      </p:grpSpPr>
-      <p:sp>
-        <p:nvSpPr>
-          <p:cNvPr id="2" name="Titolo 1">
-            <a:extLst>
-              <a:ext uri="{FF2B5EF4-FFF2-40B4-BE49-F238E27FC236}">
-                <a16:creationId xmlns:a16="http://schemas.microsoft.com/office/drawing/2014/main" id="{D5F58EEC-3A74-ACCB-9A51-3B63C7A951AF}"/>
-              </a:ext>
-            </a:extLst>
-          </p:cNvPr>
-          <p:cNvSpPr>
-            <a:spLocks noGrp="1"/>
-          </p:cNvSpPr>
-          <p:nvPr>
-            <p:ph type="title"/>
-          </p:nvPr>
-        </p:nvSpPr>
-        <p:spPr/>
-        <p:txBody>
-          <a:bodyPr>
-            <a:normAutofit/>
-          </a:bodyPr>
-          <a:lstStyle/>
-          <a:p>
-            <a:r>
-              <a:rPr lang="it-IT" dirty="0">
-                <a:latin typeface="Aptos SemiBold" panose="020B0004020202020204" pitchFamily="34" charset="0"/>
-              </a:rPr>
-              <a:t>SKRL and </a:t>
-            </a:r>
-            <a:r>
-              <a:rPr lang="it-IT" dirty="0" err="1">
-                <a:latin typeface="Aptos SemiBold" panose="020B0004020202020204" pitchFamily="34" charset="0"/>
-              </a:rPr>
-              <a:t>PyTorch</a:t>
-            </a:r>
-            <a:endParaRPr lang="it-IT" dirty="0">
-              <a:latin typeface="Aptos SemiBold" panose="020B0004020202020204" pitchFamily="34" charset="0"/>
-            </a:endParaRPr>
-          </a:p>
-        </p:txBody>
-      </p:sp>
-      <p:sp>
-        <p:nvSpPr>
-          <p:cNvPr id="3" name="Segnaposto contenuto 2">
-            <a:extLst>
-              <a:ext uri="{FF2B5EF4-FFF2-40B4-BE49-F238E27FC236}">
-                <a16:creationId xmlns:a16="http://schemas.microsoft.com/office/drawing/2014/main" id="{F0D5670B-6748-0CD1-6049-4BE8109EC571}"/>
-              </a:ext>
-            </a:extLst>
-          </p:cNvPr>
-          <p:cNvSpPr>
-            <a:spLocks noGrp="1"/>
-          </p:cNvSpPr>
-          <p:nvPr>
-            <p:ph idx="1"/>
-          </p:nvPr>
-        </p:nvSpPr>
-        <p:spPr>
-          <a:xfrm>
-            <a:off x="838200" y="1825625"/>
-            <a:ext cx="4172339" cy="4351338"/>
-          </a:xfrm>
-        </p:spPr>
-        <p:txBody>
-          <a:bodyPr/>
-          <a:lstStyle/>
-          <a:p>
-            <a:pPr marL="0" indent="0" algn="ctr">
-              <a:buNone/>
-            </a:pPr>
-            <a:r>
-              <a:rPr lang="it-IT" sz="2400" dirty="0" err="1"/>
-              <a:t>PyTorch</a:t>
-            </a:r>
-            <a:endParaRPr lang="it-IT" sz="2400" dirty="0"/>
-          </a:p>
-          <a:p>
-            <a:pPr marL="0" indent="0" algn="ctr">
-              <a:buNone/>
-            </a:pPr>
-            <a:endParaRPr lang="it-IT" sz="500" dirty="0"/>
-          </a:p>
-          <a:p>
-            <a:r>
-              <a:rPr lang="en-US" sz="1600" dirty="0"/>
-              <a:t>Dynamic computation graph (eager execution)</a:t>
-            </a:r>
-            <a:endParaRPr lang="it-IT" sz="2400" dirty="0"/>
-          </a:p>
-          <a:p>
-            <a:r>
-              <a:rPr lang="it-IT" sz="1600" dirty="0"/>
-              <a:t>Strong GPU </a:t>
-            </a:r>
-            <a:r>
-              <a:rPr lang="it-IT" sz="1600" dirty="0" err="1"/>
-              <a:t>acceleration</a:t>
-            </a:r>
-            <a:endParaRPr lang="it-IT" sz="2400" dirty="0"/>
-          </a:p>
-          <a:p>
-            <a:r>
-              <a:rPr lang="en-US" sz="1600" dirty="0"/>
-              <a:t>Extensive support for machine learning and deep learning</a:t>
-            </a:r>
-            <a:endParaRPr lang="it-IT" sz="2400" dirty="0"/>
-          </a:p>
-          <a:p>
-            <a:r>
-              <a:rPr lang="it-IT" sz="1600" dirty="0"/>
-              <a:t>Versatile and user-friendly API</a:t>
-            </a:r>
-            <a:endParaRPr lang="it-IT" sz="2400" dirty="0"/>
-          </a:p>
-        </p:txBody>
-      </p:sp>
-      <p:pic>
-        <p:nvPicPr>
-          <p:cNvPr id="4" name="Immagine 3">
-            <a:extLst>
-              <a:ext uri="{FF2B5EF4-FFF2-40B4-BE49-F238E27FC236}">
-                <a16:creationId xmlns:a16="http://schemas.microsoft.com/office/drawing/2014/main" id="{CB1FFB52-928C-7EDA-3C3B-6E1F60CA0E58}"/>
-              </a:ext>
-            </a:extLst>
-          </p:cNvPr>
-          <p:cNvPicPr>
-            <a:picLocks noChangeAspect="1"/>
-          </p:cNvPicPr>
-          <p:nvPr/>
-        </p:nvPicPr>
-        <p:blipFill>
-          <a:blip r:embed="rId2"/>
-          <a:stretch>
-            <a:fillRect/>
-          </a:stretch>
-        </p:blipFill>
-        <p:spPr>
-          <a:xfrm>
-            <a:off x="838200" y="1487928"/>
-            <a:ext cx="6142782" cy="36000"/>
-          </a:xfrm>
-          <a:prstGeom prst="rect">
-            <a:avLst/>
-          </a:prstGeom>
-        </p:spPr>
-      </p:pic>
-      <p:sp>
-        <p:nvSpPr>
-          <p:cNvPr id="5" name="Segnaposto contenuto 2">
-            <a:extLst>
-              <a:ext uri="{FF2B5EF4-FFF2-40B4-BE49-F238E27FC236}">
-                <a16:creationId xmlns:a16="http://schemas.microsoft.com/office/drawing/2014/main" id="{5C886F07-EA7B-3583-3F0E-C33A5A18A369}"/>
-              </a:ext>
-            </a:extLst>
-          </p:cNvPr>
-          <p:cNvSpPr txBox="1">
-            <a:spLocks/>
-          </p:cNvSpPr>
-          <p:nvPr/>
-        </p:nvSpPr>
-        <p:spPr>
-          <a:xfrm>
-            <a:off x="990600" y="1978025"/>
-            <a:ext cx="4172339" cy="4351338"/>
-          </a:xfrm>
-          <a:prstGeom prst="rect">
-            <a:avLst/>
-          </a:prstGeom>
-        </p:spPr>
-        <p:txBody>
-          <a:bodyPr vert="horz" lIns="91440" tIns="45720" rIns="91440" bIns="45720" rtlCol="0">
-            <a:normAutofit/>
-          </a:bodyPr>
-          <a:lstStyle>
-            <a:lvl1pPr marL="228600" indent="-228600" algn="l" defTabSz="914400" rtl="0" eaLnBrk="1" latinLnBrk="0" hangingPunct="1">
-              <a:lnSpc>
-                <a:spcPct val="90000"/>
-              </a:lnSpc>
-              <a:spcBef>
-                <a:spcPts val="1000"/>
-              </a:spcBef>
-              <a:buFont typeface="Arial" panose="020B0604020202020204" pitchFamily="34" charset="0"/>
-              <a:buChar char="•"/>
-              <a:defRPr sz="2800" kern="1200">
-                <a:solidFill>
-                  <a:schemeClr val="tx1"/>
-                </a:solidFill>
-                <a:latin typeface="+mn-lt"/>
-                <a:ea typeface="+mn-ea"/>
-                <a:cs typeface="+mn-cs"/>
-              </a:defRPr>
-            </a:lvl1pPr>
-            <a:lvl2pPr marL="685800" indent="-228600" algn="l" defTabSz="914400" rtl="0" eaLnBrk="1" latinLnBrk="0" hangingPunct="1">
-              <a:lnSpc>
-                <a:spcPct val="90000"/>
-              </a:lnSpc>
-              <a:spcBef>
-                <a:spcPts val="500"/>
-              </a:spcBef>
-              <a:buFont typeface="Arial" panose="020B0604020202020204" pitchFamily="34" charset="0"/>
-              <a:buChar char="•"/>
-              <a:defRPr sz="2400" kern="1200">
-                <a:solidFill>
-                  <a:schemeClr val="tx1"/>
-                </a:solidFill>
-                <a:latin typeface="+mn-lt"/>
-                <a:ea typeface="+mn-ea"/>
-                <a:cs typeface="+mn-cs"/>
-              </a:defRPr>
-            </a:lvl2pPr>
-            <a:lvl3pPr marL="1143000" indent="-228600" algn="l" defTabSz="914400" rtl="0" eaLnBrk="1" latinLnBrk="0" hangingPunct="1">
-              <a:lnSpc>
-                <a:spcPct val="90000"/>
-              </a:lnSpc>
-              <a:spcBef>
-                <a:spcPts val="500"/>
-              </a:spcBef>
-              <a:buFont typeface="Arial" panose="020B0604020202020204" pitchFamily="34" charset="0"/>
-              <a:buChar char="•"/>
-              <a:defRPr sz="2000" kern="1200">
-                <a:solidFill>
-                  <a:schemeClr val="tx1"/>
-                </a:solidFill>
-                <a:latin typeface="+mn-lt"/>
-                <a:ea typeface="+mn-ea"/>
-                <a:cs typeface="+mn-cs"/>
-              </a:defRPr>
-            </a:lvl3pPr>
-            <a:lvl4pPr marL="1600200" indent="-228600" algn="l" defTabSz="914400" rtl="0" eaLnBrk="1" latinLnBrk="0" hangingPunct="1">
-              <a:lnSpc>
-                <a:spcPct val="90000"/>
-              </a:lnSpc>
-              <a:spcBef>
-                <a:spcPts val="500"/>
-              </a:spcBef>
-              <a:buFont typeface="Arial" panose="020B0604020202020204" pitchFamily="34" charset="0"/>
-              <a:buChar char="•"/>
-              <a:defRPr sz="1800" kern="1200">
-                <a:solidFill>
-                  <a:schemeClr val="tx1"/>
-                </a:solidFill>
-                <a:latin typeface="+mn-lt"/>
-                <a:ea typeface="+mn-ea"/>
-                <a:cs typeface="+mn-cs"/>
-              </a:defRPr>
-            </a:lvl4pPr>
-            <a:lvl5pPr marL="2057400" indent="-228600" algn="l" defTabSz="914400" rtl="0" eaLnBrk="1" latinLnBrk="0" hangingPunct="1">
-              <a:lnSpc>
-                <a:spcPct val="90000"/>
-              </a:lnSpc>
-              <a:spcBef>
-                <a:spcPts val="500"/>
-              </a:spcBef>
-              <a:buFont typeface="Arial" panose="020B0604020202020204" pitchFamily="34" charset="0"/>
-              <a:buChar char="•"/>
-              <a:defRPr sz="1800" kern="1200">
-                <a:solidFill>
-                  <a:schemeClr val="tx1"/>
-                </a:solidFill>
-                <a:latin typeface="+mn-lt"/>
-                <a:ea typeface="+mn-ea"/>
-                <a:cs typeface="+mn-cs"/>
-              </a:defRPr>
-            </a:lvl5pPr>
-            <a:lvl6pPr marL="2514600" indent="-228600" algn="l" defTabSz="914400" rtl="0" eaLnBrk="1" latinLnBrk="0" hangingPunct="1">
-              <a:lnSpc>
-                <a:spcPct val="90000"/>
-              </a:lnSpc>
-              <a:spcBef>
-                <a:spcPts val="500"/>
-              </a:spcBef>
-              <a:buFont typeface="Arial" panose="020B0604020202020204" pitchFamily="34" charset="0"/>
-              <a:buChar char="•"/>
-              <a:defRPr sz="1800" kern="1200">
-                <a:solidFill>
-                  <a:schemeClr val="tx1"/>
-                </a:solidFill>
-                <a:latin typeface="+mn-lt"/>
-                <a:ea typeface="+mn-ea"/>
-                <a:cs typeface="+mn-cs"/>
-              </a:defRPr>
-            </a:lvl6pPr>
-            <a:lvl7pPr marL="2971800" indent="-228600" algn="l" defTabSz="914400" rtl="0" eaLnBrk="1" latinLnBrk="0" hangingPunct="1">
-              <a:lnSpc>
-                <a:spcPct val="90000"/>
-              </a:lnSpc>
-              <a:spcBef>
-                <a:spcPts val="500"/>
-              </a:spcBef>
-              <a:buFont typeface="Arial" panose="020B0604020202020204" pitchFamily="34" charset="0"/>
-              <a:buChar char="•"/>
-              <a:defRPr sz="1800" kern="1200">
-                <a:solidFill>
-                  <a:schemeClr val="tx1"/>
-                </a:solidFill>
-                <a:latin typeface="+mn-lt"/>
-                <a:ea typeface="+mn-ea"/>
-                <a:cs typeface="+mn-cs"/>
-              </a:defRPr>
-            </a:lvl7pPr>
-            <a:lvl8pPr marL="3429000" indent="-228600" algn="l" defTabSz="914400" rtl="0" eaLnBrk="1" latinLnBrk="0" hangingPunct="1">
-              <a:lnSpc>
-                <a:spcPct val="90000"/>
-              </a:lnSpc>
-              <a:spcBef>
-                <a:spcPts val="500"/>
-              </a:spcBef>
-              <a:buFont typeface="Arial" panose="020B0604020202020204" pitchFamily="34" charset="0"/>
-              <a:buChar char="•"/>
-              <a:defRPr sz="1800" kern="1200">
-                <a:solidFill>
-                  <a:schemeClr val="tx1"/>
-                </a:solidFill>
-                <a:latin typeface="+mn-lt"/>
-                <a:ea typeface="+mn-ea"/>
-                <a:cs typeface="+mn-cs"/>
-              </a:defRPr>
-            </a:lvl8pPr>
-            <a:lvl9pPr marL="3886200" indent="-228600" algn="l" defTabSz="914400" rtl="0" eaLnBrk="1" latinLnBrk="0" hangingPunct="1">
-              <a:lnSpc>
-                <a:spcPct val="90000"/>
-              </a:lnSpc>
-              <a:spcBef>
-                <a:spcPts val="500"/>
-              </a:spcBef>
-              <a:buFont typeface="Arial" panose="020B0604020202020204" pitchFamily="34" charset="0"/>
-              <a:buChar char="•"/>
-              <a:defRPr sz="1800" kern="1200">
-                <a:solidFill>
-                  <a:schemeClr val="tx1"/>
-                </a:solidFill>
-                <a:latin typeface="+mn-lt"/>
-                <a:ea typeface="+mn-ea"/>
-                <a:cs typeface="+mn-cs"/>
-              </a:defRPr>
-            </a:lvl9pPr>
-          </a:lstStyle>
-          <a:p>
-            <a:endParaRPr lang="it-IT" sz="2400"/>
-          </a:p>
-          <a:p>
-            <a:endParaRPr lang="it-IT"/>
-          </a:p>
-          <a:p>
-            <a:endParaRPr lang="it-IT"/>
-          </a:p>
-          <a:p>
-            <a:endParaRPr lang="it-IT" dirty="0"/>
-          </a:p>
-        </p:txBody>
-      </p:sp>
-      <p:sp>
-        <p:nvSpPr>
-          <p:cNvPr id="7" name="Segnaposto contenuto 2">
-            <a:extLst>
-              <a:ext uri="{FF2B5EF4-FFF2-40B4-BE49-F238E27FC236}">
-                <a16:creationId xmlns:a16="http://schemas.microsoft.com/office/drawing/2014/main" id="{0629CABD-B19F-5A7E-FBED-911BB63DC66D}"/>
-              </a:ext>
-            </a:extLst>
-          </p:cNvPr>
-          <p:cNvSpPr txBox="1">
-            <a:spLocks/>
-          </p:cNvSpPr>
-          <p:nvPr/>
-        </p:nvSpPr>
-        <p:spPr>
-          <a:xfrm>
-            <a:off x="5832695" y="1825625"/>
-            <a:ext cx="4172339" cy="4351338"/>
-          </a:xfrm>
-          <a:prstGeom prst="rect">
-            <a:avLst/>
-          </a:prstGeom>
-        </p:spPr>
-        <p:txBody>
-          <a:bodyPr vert="horz" lIns="91440" tIns="45720" rIns="91440" bIns="45720" rtlCol="0">
-            <a:normAutofit/>
-          </a:bodyPr>
-          <a:lstStyle>
-            <a:lvl1pPr marL="228600" indent="-228600" algn="l" defTabSz="914400" rtl="0" eaLnBrk="1" latinLnBrk="0" hangingPunct="1">
-              <a:lnSpc>
-                <a:spcPct val="90000"/>
-              </a:lnSpc>
-              <a:spcBef>
-                <a:spcPts val="1000"/>
-              </a:spcBef>
-              <a:buFont typeface="Arial" panose="020B0604020202020204" pitchFamily="34" charset="0"/>
-              <a:buChar char="•"/>
-              <a:defRPr sz="2800" kern="1200">
-                <a:solidFill>
-                  <a:schemeClr val="tx1"/>
-                </a:solidFill>
-                <a:latin typeface="+mn-lt"/>
-                <a:ea typeface="+mn-ea"/>
-                <a:cs typeface="+mn-cs"/>
-              </a:defRPr>
-            </a:lvl1pPr>
-            <a:lvl2pPr marL="685800" indent="-228600" algn="l" defTabSz="914400" rtl="0" eaLnBrk="1" latinLnBrk="0" hangingPunct="1">
-              <a:lnSpc>
-                <a:spcPct val="90000"/>
-              </a:lnSpc>
-              <a:spcBef>
-                <a:spcPts val="500"/>
-              </a:spcBef>
-              <a:buFont typeface="Arial" panose="020B0604020202020204" pitchFamily="34" charset="0"/>
-              <a:buChar char="•"/>
-              <a:defRPr sz="2400" kern="1200">
-                <a:solidFill>
-                  <a:schemeClr val="tx1"/>
-                </a:solidFill>
-                <a:latin typeface="+mn-lt"/>
-                <a:ea typeface="+mn-ea"/>
-                <a:cs typeface="+mn-cs"/>
-              </a:defRPr>
-            </a:lvl2pPr>
-            <a:lvl3pPr marL="1143000" indent="-228600" algn="l" defTabSz="914400" rtl="0" eaLnBrk="1" latinLnBrk="0" hangingPunct="1">
-              <a:lnSpc>
-                <a:spcPct val="90000"/>
-              </a:lnSpc>
-              <a:spcBef>
-                <a:spcPts val="500"/>
-              </a:spcBef>
-              <a:buFont typeface="Arial" panose="020B0604020202020204" pitchFamily="34" charset="0"/>
-              <a:buChar char="•"/>
-              <a:defRPr sz="2000" kern="1200">
-                <a:solidFill>
-                  <a:schemeClr val="tx1"/>
-                </a:solidFill>
-                <a:latin typeface="+mn-lt"/>
-                <a:ea typeface="+mn-ea"/>
-                <a:cs typeface="+mn-cs"/>
-              </a:defRPr>
-            </a:lvl3pPr>
-            <a:lvl4pPr marL="1600200" indent="-228600" algn="l" defTabSz="914400" rtl="0" eaLnBrk="1" latinLnBrk="0" hangingPunct="1">
-              <a:lnSpc>
-                <a:spcPct val="90000"/>
-              </a:lnSpc>
-              <a:spcBef>
-                <a:spcPts val="500"/>
-              </a:spcBef>
-              <a:buFont typeface="Arial" panose="020B0604020202020204" pitchFamily="34" charset="0"/>
-              <a:buChar char="•"/>
-              <a:defRPr sz="1800" kern="1200">
-                <a:solidFill>
-                  <a:schemeClr val="tx1"/>
-                </a:solidFill>
-                <a:latin typeface="+mn-lt"/>
-                <a:ea typeface="+mn-ea"/>
-                <a:cs typeface="+mn-cs"/>
-              </a:defRPr>
-            </a:lvl4pPr>
-            <a:lvl5pPr marL="2057400" indent="-228600" algn="l" defTabSz="914400" rtl="0" eaLnBrk="1" latinLnBrk="0" hangingPunct="1">
-              <a:lnSpc>
-                <a:spcPct val="90000"/>
-              </a:lnSpc>
-              <a:spcBef>
-                <a:spcPts val="500"/>
-              </a:spcBef>
-              <a:buFont typeface="Arial" panose="020B0604020202020204" pitchFamily="34" charset="0"/>
-              <a:buChar char="•"/>
-              <a:defRPr sz="1800" kern="1200">
-                <a:solidFill>
-                  <a:schemeClr val="tx1"/>
-                </a:solidFill>
-                <a:latin typeface="+mn-lt"/>
-                <a:ea typeface="+mn-ea"/>
-                <a:cs typeface="+mn-cs"/>
-              </a:defRPr>
-            </a:lvl5pPr>
-            <a:lvl6pPr marL="2514600" indent="-228600" algn="l" defTabSz="914400" rtl="0" eaLnBrk="1" latinLnBrk="0" hangingPunct="1">
-              <a:lnSpc>
-                <a:spcPct val="90000"/>
-              </a:lnSpc>
-              <a:spcBef>
-                <a:spcPts val="500"/>
-              </a:spcBef>
-              <a:buFont typeface="Arial" panose="020B0604020202020204" pitchFamily="34" charset="0"/>
-              <a:buChar char="•"/>
-              <a:defRPr sz="1800" kern="1200">
-                <a:solidFill>
-                  <a:schemeClr val="tx1"/>
-                </a:solidFill>
-                <a:latin typeface="+mn-lt"/>
-                <a:ea typeface="+mn-ea"/>
-                <a:cs typeface="+mn-cs"/>
-              </a:defRPr>
-            </a:lvl6pPr>
-            <a:lvl7pPr marL="2971800" indent="-228600" algn="l" defTabSz="914400" rtl="0" eaLnBrk="1" latinLnBrk="0" hangingPunct="1">
-              <a:lnSpc>
-                <a:spcPct val="90000"/>
-              </a:lnSpc>
-              <a:spcBef>
-                <a:spcPts val="500"/>
-              </a:spcBef>
-              <a:buFont typeface="Arial" panose="020B0604020202020204" pitchFamily="34" charset="0"/>
-              <a:buChar char="•"/>
-              <a:defRPr sz="1800" kern="1200">
-                <a:solidFill>
-                  <a:schemeClr val="tx1"/>
-                </a:solidFill>
-                <a:latin typeface="+mn-lt"/>
-                <a:ea typeface="+mn-ea"/>
-                <a:cs typeface="+mn-cs"/>
-              </a:defRPr>
-            </a:lvl7pPr>
-            <a:lvl8pPr marL="3429000" indent="-228600" algn="l" defTabSz="914400" rtl="0" eaLnBrk="1" latinLnBrk="0" hangingPunct="1">
-              <a:lnSpc>
-                <a:spcPct val="90000"/>
-              </a:lnSpc>
-              <a:spcBef>
-                <a:spcPts val="500"/>
-              </a:spcBef>
-              <a:buFont typeface="Arial" panose="020B0604020202020204" pitchFamily="34" charset="0"/>
-              <a:buChar char="•"/>
-              <a:defRPr sz="1800" kern="1200">
-                <a:solidFill>
-                  <a:schemeClr val="tx1"/>
-                </a:solidFill>
-                <a:latin typeface="+mn-lt"/>
-                <a:ea typeface="+mn-ea"/>
-                <a:cs typeface="+mn-cs"/>
-              </a:defRPr>
-            </a:lvl8pPr>
-            <a:lvl9pPr marL="3886200" indent="-228600" algn="l" defTabSz="914400" rtl="0" eaLnBrk="1" latinLnBrk="0" hangingPunct="1">
-              <a:lnSpc>
-                <a:spcPct val="90000"/>
-              </a:lnSpc>
-              <a:spcBef>
-                <a:spcPts val="500"/>
-              </a:spcBef>
-              <a:buFont typeface="Arial" panose="020B0604020202020204" pitchFamily="34" charset="0"/>
-              <a:buChar char="•"/>
-              <a:defRPr sz="1800" kern="1200">
-                <a:solidFill>
-                  <a:schemeClr val="tx1"/>
-                </a:solidFill>
-                <a:latin typeface="+mn-lt"/>
-                <a:ea typeface="+mn-ea"/>
-                <a:cs typeface="+mn-cs"/>
-              </a:defRPr>
-            </a:lvl9pPr>
-          </a:lstStyle>
-          <a:p>
-            <a:pPr marL="0" indent="0" algn="ctr">
-              <a:buFont typeface="Arial" panose="020B0604020202020204" pitchFamily="34" charset="0"/>
-              <a:buNone/>
-            </a:pPr>
-            <a:r>
-              <a:rPr lang="it-IT" sz="2400" dirty="0"/>
-              <a:t>SKRL</a:t>
-            </a:r>
-          </a:p>
-          <a:p>
-            <a:r>
-              <a:rPr lang="en-US" sz="1600" dirty="0"/>
-              <a:t>Built on </a:t>
-            </a:r>
-            <a:r>
-              <a:rPr lang="en-US" sz="1600" dirty="0" err="1"/>
-              <a:t>PyTorch</a:t>
-            </a:r>
-            <a:r>
-              <a:rPr lang="en-US" sz="1600" dirty="0"/>
-              <a:t> for seamless integration</a:t>
-            </a:r>
-          </a:p>
-          <a:p>
-            <a:r>
-              <a:rPr lang="en-US" sz="1600" dirty="0"/>
-              <a:t>Implements popular RL algorithms (included PPO) </a:t>
-            </a:r>
-          </a:p>
-          <a:p>
-            <a:r>
-              <a:rPr lang="en-US" sz="1600" dirty="0"/>
-              <a:t>Modular and extensible design</a:t>
-            </a:r>
-          </a:p>
-          <a:p>
-            <a:r>
-              <a:rPr lang="en-US" sz="1600" dirty="0"/>
-              <a:t>Support for environments like Gym and Isaac Gym</a:t>
-            </a:r>
-            <a:endParaRPr lang="it-IT" sz="2400" dirty="0"/>
-          </a:p>
-        </p:txBody>
-      </p:sp>
-      <p:pic>
-        <p:nvPicPr>
-          <p:cNvPr id="14" name="Immagine 13" descr="Immagine che contiene Elementi grafici, simbolo, cerchio, Carattere&#10;&#10;Descrizione generata automaticamente">
-            <a:extLst>
-              <a:ext uri="{FF2B5EF4-FFF2-40B4-BE49-F238E27FC236}">
-                <a16:creationId xmlns:a16="http://schemas.microsoft.com/office/drawing/2014/main" id="{C2F9E06B-CF9B-B1E2-95E0-ADC4EDF09776}"/>
-              </a:ext>
-            </a:extLst>
-          </p:cNvPr>
-          <p:cNvPicPr>
-            <a:picLocks noChangeAspect="1"/>
-          </p:cNvPicPr>
-          <p:nvPr/>
-        </p:nvPicPr>
-        <p:blipFill>
-          <a:blip r:embed="rId3">
-            <a:extLst>
-              <a:ext uri="{28A0092B-C50C-407E-A947-70E740481C1C}">
-                <a14:useLocalDpi xmlns:a14="http://schemas.microsoft.com/office/drawing/2010/main" val="0"/>
-              </a:ext>
-            </a:extLst>
-          </a:blip>
-          <a:stretch>
-            <a:fillRect/>
-          </a:stretch>
-        </p:blipFill>
-        <p:spPr>
-          <a:xfrm>
-            <a:off x="1932698" y="1767927"/>
-            <a:ext cx="347044" cy="420195"/>
-          </a:xfrm>
-          <a:prstGeom prst="rect">
-            <a:avLst/>
-          </a:prstGeom>
-        </p:spPr>
-      </p:pic>
-      <p:pic>
-        <p:nvPicPr>
-          <p:cNvPr id="16" name="Immagine 15" descr="Immagine che contiene clipart, halloween, Elementi grafici, zucca&#10;&#10;Descrizione generata automaticamente">
-            <a:extLst>
-              <a:ext uri="{FF2B5EF4-FFF2-40B4-BE49-F238E27FC236}">
-                <a16:creationId xmlns:a16="http://schemas.microsoft.com/office/drawing/2014/main" id="{6F69AC7A-9A67-6F45-A365-099483DD1770}"/>
-              </a:ext>
-            </a:extLst>
-          </p:cNvPr>
-          <p:cNvPicPr>
-            <a:picLocks noChangeAspect="1"/>
-          </p:cNvPicPr>
-          <p:nvPr/>
-        </p:nvPicPr>
-        <p:blipFill>
-          <a:blip r:embed="rId4">
-            <a:extLst>
-              <a:ext uri="{28A0092B-C50C-407E-A947-70E740481C1C}">
-                <a14:useLocalDpi xmlns:a14="http://schemas.microsoft.com/office/drawing/2010/main" val="0"/>
-              </a:ext>
-            </a:extLst>
-          </a:blip>
-          <a:stretch>
-            <a:fillRect/>
-          </a:stretch>
-        </p:blipFill>
-        <p:spPr>
-          <a:xfrm>
-            <a:off x="6585352" y="1674149"/>
-            <a:ext cx="975898" cy="513973"/>
-          </a:xfrm>
-          <a:prstGeom prst="rect">
-            <a:avLst/>
-          </a:prstGeom>
-        </p:spPr>
-      </p:pic>
-    </p:spTree>
-    <p:extLst>
-      <p:ext uri="{BB962C8B-B14F-4D97-AF65-F5344CB8AC3E}">
-        <p14:creationId xmlns:p14="http://schemas.microsoft.com/office/powerpoint/2010/main" val="1844800993"/>
-      </p:ext>
-    </p:extLst>
-  </p:cSld>
-  <p:clrMapOvr>
-    <a:masterClrMapping/>
-  </p:clrMapOvr>
-</p:sld>
-</file>
-
-<file path=ppt/slides/slide6.xml><?xml version="1.0" encoding="utf-8"?>
 <p:sld xmlns:a="http://schemas.openxmlformats.org/drawingml/2006/main" xmlns:r="http://schemas.openxmlformats.org/officeDocument/2006/relationships" xmlns:p="http://schemas.openxmlformats.org/presentationml/2006/main">
   <p:cSld>
     <p:spTree>
@@ -22606,7 +21616,7 @@
         <p:spPr>
           <a:xfrm>
             <a:off x="894447" y="3695744"/>
-            <a:ext cx="2270493" cy="1477328"/>
+            <a:ext cx="2324291" cy="1477328"/>
           </a:xfrm>
           <a:prstGeom prst="rect">
             <a:avLst/>
@@ -22660,10 +21670,9 @@
               <a:buChar char="•"/>
             </a:pPr>
             <a:r>
-              <a:rPr lang="it-IT" dirty="0" err="1"/>
-              <a:t>post_phisics_step</a:t>
+              <a:rPr lang="it-IT" dirty="0"/>
+              <a:t>post_physics_step</a:t>
             </a:r>
-            <a:endParaRPr lang="it-IT" dirty="0"/>
           </a:p>
         </p:txBody>
       </p:sp>
@@ -23824,7 +22833,7 @@
 </p:sld>
 </file>
 
-<file path=ppt/slides/slide7.xml><?xml version="1.0" encoding="utf-8"?>
+<file path=ppt/slides/slide6.xml><?xml version="1.0" encoding="utf-8"?>
 <p:sld xmlns:a="http://schemas.openxmlformats.org/drawingml/2006/main" xmlns:r="http://schemas.openxmlformats.org/officeDocument/2006/relationships" xmlns:p="http://schemas.openxmlformats.org/presentationml/2006/main">
   <p:cSld>
     <p:spTree>
@@ -24650,7 +23659,7 @@
 </p:sld>
 </file>
 
-<file path=ppt/slides/slide8.xml><?xml version="1.0" encoding="utf-8"?>
+<file path=ppt/slides/slide7.xml><?xml version="1.0" encoding="utf-8"?>
 <p:sld xmlns:a="http://schemas.openxmlformats.org/drawingml/2006/main" xmlns:r="http://schemas.openxmlformats.org/officeDocument/2006/relationships" xmlns:p="http://schemas.openxmlformats.org/presentationml/2006/main">
   <p:cSld>
     <p:spTree>
@@ -26029,7 +25038,7 @@
 </p:sld>
 </file>
 
-<file path=ppt/slides/slide9.xml><?xml version="1.0" encoding="utf-8"?>
+<file path=ppt/slides/slide8.xml><?xml version="1.0" encoding="utf-8"?>
 <p:sld xmlns:a="http://schemas.openxmlformats.org/drawingml/2006/main" xmlns:r="http://schemas.openxmlformats.org/officeDocument/2006/relationships" xmlns:p="http://schemas.openxmlformats.org/presentationml/2006/main">
   <p:cSld>
     <p:spTree>
@@ -27689,6 +26698,306 @@
 </p:sld>
 </file>
 
+<file path=ppt/slides/slide9.xml><?xml version="1.0" encoding="utf-8"?>
+<p:sld xmlns:a="http://schemas.openxmlformats.org/drawingml/2006/main" xmlns:r="http://schemas.openxmlformats.org/officeDocument/2006/relationships" xmlns:p="http://schemas.openxmlformats.org/presentationml/2006/main">
+  <p:cSld>
+    <p:spTree>
+      <p:nvGrpSpPr>
+        <p:cNvPr id="1" name=""/>
+        <p:cNvGrpSpPr/>
+        <p:nvPr/>
+      </p:nvGrpSpPr>
+      <p:grpSpPr>
+        <a:xfrm>
+          <a:off x="0" y="0"/>
+          <a:ext cx="0" cy="0"/>
+          <a:chOff x="0" y="0"/>
+          <a:chExt cx="0" cy="0"/>
+        </a:xfrm>
+      </p:grpSpPr>
+      <p:sp>
+        <p:nvSpPr>
+          <p:cNvPr id="2" name="Titolo 1">
+            <a:extLst>
+              <a:ext uri="{FF2B5EF4-FFF2-40B4-BE49-F238E27FC236}">
+                <a16:creationId xmlns:a16="http://schemas.microsoft.com/office/drawing/2014/main" id="{D5F58EEC-3A74-ACCB-9A51-3B63C7A951AF}"/>
+              </a:ext>
+            </a:extLst>
+          </p:cNvPr>
+          <p:cNvSpPr>
+            <a:spLocks noGrp="1"/>
+          </p:cNvSpPr>
+          <p:nvPr>
+            <p:ph type="title"/>
+          </p:nvPr>
+        </p:nvSpPr>
+        <p:spPr/>
+        <p:txBody>
+          <a:bodyPr>
+            <a:normAutofit/>
+          </a:bodyPr>
+          <a:lstStyle/>
+          <a:p>
+            <a:r>
+              <a:rPr lang="en-US" dirty="0">
+                <a:latin typeface="Aptos SemiBold" panose="020B0004020202020204" pitchFamily="34" charset="0"/>
+              </a:rPr>
+              <a:t>Reaching a target – Reward Function</a:t>
+            </a:r>
+            <a:endParaRPr lang="it-IT" dirty="0">
+              <a:latin typeface="Aptos SemiBold" panose="020B0004020202020204" pitchFamily="34" charset="0"/>
+            </a:endParaRPr>
+          </a:p>
+        </p:txBody>
+      </p:sp>
+      <p:pic>
+        <p:nvPicPr>
+          <p:cNvPr id="4" name="Immagine 3">
+            <a:extLst>
+              <a:ext uri="{FF2B5EF4-FFF2-40B4-BE49-F238E27FC236}">
+                <a16:creationId xmlns:a16="http://schemas.microsoft.com/office/drawing/2014/main" id="{CB1FFB52-928C-7EDA-3C3B-6E1F60CA0E58}"/>
+              </a:ext>
+            </a:extLst>
+          </p:cNvPr>
+          <p:cNvPicPr>
+            <a:picLocks noChangeAspect="1"/>
+          </p:cNvPicPr>
+          <p:nvPr/>
+        </p:nvPicPr>
+        <p:blipFill>
+          <a:blip r:embed="rId2"/>
+          <a:stretch>
+            <a:fillRect/>
+          </a:stretch>
+        </p:blipFill>
+        <p:spPr>
+          <a:xfrm>
+            <a:off x="838200" y="1487928"/>
+            <a:ext cx="6142782" cy="36000"/>
+          </a:xfrm>
+          <a:prstGeom prst="rect">
+            <a:avLst/>
+          </a:prstGeom>
+        </p:spPr>
+      </p:pic>
+      <p:sp>
+        <p:nvSpPr>
+          <p:cNvPr id="5" name="Segnaposto contenuto 2">
+            <a:extLst>
+              <a:ext uri="{FF2B5EF4-FFF2-40B4-BE49-F238E27FC236}">
+                <a16:creationId xmlns:a16="http://schemas.microsoft.com/office/drawing/2014/main" id="{5C886F07-EA7B-3583-3F0E-C33A5A18A369}"/>
+              </a:ext>
+            </a:extLst>
+          </p:cNvPr>
+          <p:cNvSpPr txBox="1">
+            <a:spLocks/>
+          </p:cNvSpPr>
+          <p:nvPr/>
+        </p:nvSpPr>
+        <p:spPr>
+          <a:xfrm>
+            <a:off x="990600" y="1978025"/>
+            <a:ext cx="4172339" cy="4351338"/>
+          </a:xfrm>
+          <a:prstGeom prst="rect">
+            <a:avLst/>
+          </a:prstGeom>
+        </p:spPr>
+        <p:txBody>
+          <a:bodyPr vert="horz" lIns="91440" tIns="45720" rIns="91440" bIns="45720" rtlCol="0">
+            <a:normAutofit/>
+          </a:bodyPr>
+          <a:lstStyle>
+            <a:lvl1pPr marL="228600" indent="-228600" algn="l" defTabSz="914400" rtl="0" eaLnBrk="1" latinLnBrk="0" hangingPunct="1">
+              <a:lnSpc>
+                <a:spcPct val="90000"/>
+              </a:lnSpc>
+              <a:spcBef>
+                <a:spcPts val="1000"/>
+              </a:spcBef>
+              <a:buFont typeface="Arial" panose="020B0604020202020204" pitchFamily="34" charset="0"/>
+              <a:buChar char="•"/>
+              <a:defRPr sz="2800" kern="1200">
+                <a:solidFill>
+                  <a:schemeClr val="tx1"/>
+                </a:solidFill>
+                <a:latin typeface="+mn-lt"/>
+                <a:ea typeface="+mn-ea"/>
+                <a:cs typeface="+mn-cs"/>
+              </a:defRPr>
+            </a:lvl1pPr>
+            <a:lvl2pPr marL="685800" indent="-228600" algn="l" defTabSz="914400" rtl="0" eaLnBrk="1" latinLnBrk="0" hangingPunct="1">
+              <a:lnSpc>
+                <a:spcPct val="90000"/>
+              </a:lnSpc>
+              <a:spcBef>
+                <a:spcPts val="500"/>
+              </a:spcBef>
+              <a:buFont typeface="Arial" panose="020B0604020202020204" pitchFamily="34" charset="0"/>
+              <a:buChar char="•"/>
+              <a:defRPr sz="2400" kern="1200">
+                <a:solidFill>
+                  <a:schemeClr val="tx1"/>
+                </a:solidFill>
+                <a:latin typeface="+mn-lt"/>
+                <a:ea typeface="+mn-ea"/>
+                <a:cs typeface="+mn-cs"/>
+              </a:defRPr>
+            </a:lvl2pPr>
+            <a:lvl3pPr marL="1143000" indent="-228600" algn="l" defTabSz="914400" rtl="0" eaLnBrk="1" latinLnBrk="0" hangingPunct="1">
+              <a:lnSpc>
+                <a:spcPct val="90000"/>
+              </a:lnSpc>
+              <a:spcBef>
+                <a:spcPts val="500"/>
+              </a:spcBef>
+              <a:buFont typeface="Arial" panose="020B0604020202020204" pitchFamily="34" charset="0"/>
+              <a:buChar char="•"/>
+              <a:defRPr sz="2000" kern="1200">
+                <a:solidFill>
+                  <a:schemeClr val="tx1"/>
+                </a:solidFill>
+                <a:latin typeface="+mn-lt"/>
+                <a:ea typeface="+mn-ea"/>
+                <a:cs typeface="+mn-cs"/>
+              </a:defRPr>
+            </a:lvl3pPr>
+            <a:lvl4pPr marL="1600200" indent="-228600" algn="l" defTabSz="914400" rtl="0" eaLnBrk="1" latinLnBrk="0" hangingPunct="1">
+              <a:lnSpc>
+                <a:spcPct val="90000"/>
+              </a:lnSpc>
+              <a:spcBef>
+                <a:spcPts val="500"/>
+              </a:spcBef>
+              <a:buFont typeface="Arial" panose="020B0604020202020204" pitchFamily="34" charset="0"/>
+              <a:buChar char="•"/>
+              <a:defRPr sz="1800" kern="1200">
+                <a:solidFill>
+                  <a:schemeClr val="tx1"/>
+                </a:solidFill>
+                <a:latin typeface="+mn-lt"/>
+                <a:ea typeface="+mn-ea"/>
+                <a:cs typeface="+mn-cs"/>
+              </a:defRPr>
+            </a:lvl4pPr>
+            <a:lvl5pPr marL="2057400" indent="-228600" algn="l" defTabSz="914400" rtl="0" eaLnBrk="1" latinLnBrk="0" hangingPunct="1">
+              <a:lnSpc>
+                <a:spcPct val="90000"/>
+              </a:lnSpc>
+              <a:spcBef>
+                <a:spcPts val="500"/>
+              </a:spcBef>
+              <a:buFont typeface="Arial" panose="020B0604020202020204" pitchFamily="34" charset="0"/>
+              <a:buChar char="•"/>
+              <a:defRPr sz="1800" kern="1200">
+                <a:solidFill>
+                  <a:schemeClr val="tx1"/>
+                </a:solidFill>
+                <a:latin typeface="+mn-lt"/>
+                <a:ea typeface="+mn-ea"/>
+                <a:cs typeface="+mn-cs"/>
+              </a:defRPr>
+            </a:lvl5pPr>
+            <a:lvl6pPr marL="2514600" indent="-228600" algn="l" defTabSz="914400" rtl="0" eaLnBrk="1" latinLnBrk="0" hangingPunct="1">
+              <a:lnSpc>
+                <a:spcPct val="90000"/>
+              </a:lnSpc>
+              <a:spcBef>
+                <a:spcPts val="500"/>
+              </a:spcBef>
+              <a:buFont typeface="Arial" panose="020B0604020202020204" pitchFamily="34" charset="0"/>
+              <a:buChar char="•"/>
+              <a:defRPr sz="1800" kern="1200">
+                <a:solidFill>
+                  <a:schemeClr val="tx1"/>
+                </a:solidFill>
+                <a:latin typeface="+mn-lt"/>
+                <a:ea typeface="+mn-ea"/>
+                <a:cs typeface="+mn-cs"/>
+              </a:defRPr>
+            </a:lvl6pPr>
+            <a:lvl7pPr marL="2971800" indent="-228600" algn="l" defTabSz="914400" rtl="0" eaLnBrk="1" latinLnBrk="0" hangingPunct="1">
+              <a:lnSpc>
+                <a:spcPct val="90000"/>
+              </a:lnSpc>
+              <a:spcBef>
+                <a:spcPts val="500"/>
+              </a:spcBef>
+              <a:buFont typeface="Arial" panose="020B0604020202020204" pitchFamily="34" charset="0"/>
+              <a:buChar char="•"/>
+              <a:defRPr sz="1800" kern="1200">
+                <a:solidFill>
+                  <a:schemeClr val="tx1"/>
+                </a:solidFill>
+                <a:latin typeface="+mn-lt"/>
+                <a:ea typeface="+mn-ea"/>
+                <a:cs typeface="+mn-cs"/>
+              </a:defRPr>
+            </a:lvl7pPr>
+            <a:lvl8pPr marL="3429000" indent="-228600" algn="l" defTabSz="914400" rtl="0" eaLnBrk="1" latinLnBrk="0" hangingPunct="1">
+              <a:lnSpc>
+                <a:spcPct val="90000"/>
+              </a:lnSpc>
+              <a:spcBef>
+                <a:spcPts val="500"/>
+              </a:spcBef>
+              <a:buFont typeface="Arial" panose="020B0604020202020204" pitchFamily="34" charset="0"/>
+              <a:buChar char="•"/>
+              <a:defRPr sz="1800" kern="1200">
+                <a:solidFill>
+                  <a:schemeClr val="tx1"/>
+                </a:solidFill>
+                <a:latin typeface="+mn-lt"/>
+                <a:ea typeface="+mn-ea"/>
+                <a:cs typeface="+mn-cs"/>
+              </a:defRPr>
+            </a:lvl8pPr>
+            <a:lvl9pPr marL="3886200" indent="-228600" algn="l" defTabSz="914400" rtl="0" eaLnBrk="1" latinLnBrk="0" hangingPunct="1">
+              <a:lnSpc>
+                <a:spcPct val="90000"/>
+              </a:lnSpc>
+              <a:spcBef>
+                <a:spcPts val="500"/>
+              </a:spcBef>
+              <a:buFont typeface="Arial" panose="020B0604020202020204" pitchFamily="34" charset="0"/>
+              <a:buChar char="•"/>
+              <a:defRPr sz="1800" kern="1200">
+                <a:solidFill>
+                  <a:schemeClr val="tx1"/>
+                </a:solidFill>
+                <a:latin typeface="+mn-lt"/>
+                <a:ea typeface="+mn-ea"/>
+                <a:cs typeface="+mn-cs"/>
+              </a:defRPr>
+            </a:lvl9pPr>
+          </a:lstStyle>
+          <a:p>
+            <a:endParaRPr lang="it-IT" sz="2400"/>
+          </a:p>
+          <a:p>
+            <a:endParaRPr lang="it-IT"/>
+          </a:p>
+          <a:p>
+            <a:endParaRPr lang="it-IT"/>
+          </a:p>
+          <a:p>
+            <a:endParaRPr lang="it-IT" dirty="0"/>
+          </a:p>
+        </p:txBody>
+      </p:sp>
+    </p:spTree>
+    <p:extLst>
+      <p:ext uri="{BB962C8B-B14F-4D97-AF65-F5344CB8AC3E}">
+        <p14:creationId xmlns:p14="http://schemas.microsoft.com/office/powerpoint/2010/main" val="2103946519"/>
+      </p:ext>
+    </p:extLst>
+  </p:cSld>
+  <p:clrMapOvr>
+    <a:masterClrMapping/>
+  </p:clrMapOvr>
+</p:sld>
+</file>
+
 <file path=ppt/theme/theme1.xml><?xml version="1.0" encoding="utf-8"?>
 <a:theme xmlns:a="http://schemas.openxmlformats.org/drawingml/2006/main" name="Tema di Office">
   <a:themeElements>

--- a/docs/Slides.pptx
+++ b/docs/Slides.pptx
@@ -11055,7 +11055,7 @@
           <a:p>
             <a:fld id="{B3FBE7C8-F44F-46A4-ADFD-275A97E64713}" type="datetimeFigureOut">
               <a:rPr lang="it-IT" smtClean="0"/>
-              <a:t>03/09/2024</a:t>
+              <a:t>10/09/2024</a:t>
             </a:fld>
             <a:endParaRPr lang="it-IT"/>
           </a:p>
@@ -11253,7 +11253,7 @@
           <a:p>
             <a:fld id="{B3FBE7C8-F44F-46A4-ADFD-275A97E64713}" type="datetimeFigureOut">
               <a:rPr lang="it-IT" smtClean="0"/>
-              <a:t>03/09/2024</a:t>
+              <a:t>10/09/2024</a:t>
             </a:fld>
             <a:endParaRPr lang="it-IT"/>
           </a:p>
@@ -11461,7 +11461,7 @@
           <a:p>
             <a:fld id="{B3FBE7C8-F44F-46A4-ADFD-275A97E64713}" type="datetimeFigureOut">
               <a:rPr lang="it-IT" smtClean="0"/>
-              <a:t>03/09/2024</a:t>
+              <a:t>10/09/2024</a:t>
             </a:fld>
             <a:endParaRPr lang="it-IT"/>
           </a:p>
@@ -11659,7 +11659,7 @@
           <a:p>
             <a:fld id="{B3FBE7C8-F44F-46A4-ADFD-275A97E64713}" type="datetimeFigureOut">
               <a:rPr lang="it-IT" smtClean="0"/>
-              <a:t>03/09/2024</a:t>
+              <a:t>10/09/2024</a:t>
             </a:fld>
             <a:endParaRPr lang="it-IT"/>
           </a:p>
@@ -11934,7 +11934,7 @@
           <a:p>
             <a:fld id="{B3FBE7C8-F44F-46A4-ADFD-275A97E64713}" type="datetimeFigureOut">
               <a:rPr lang="it-IT" smtClean="0"/>
-              <a:t>03/09/2024</a:t>
+              <a:t>10/09/2024</a:t>
             </a:fld>
             <a:endParaRPr lang="it-IT"/>
           </a:p>
@@ -12199,7 +12199,7 @@
           <a:p>
             <a:fld id="{B3FBE7C8-F44F-46A4-ADFD-275A97E64713}" type="datetimeFigureOut">
               <a:rPr lang="it-IT" smtClean="0"/>
-              <a:t>03/09/2024</a:t>
+              <a:t>10/09/2024</a:t>
             </a:fld>
             <a:endParaRPr lang="it-IT"/>
           </a:p>
@@ -12611,7 +12611,7 @@
           <a:p>
             <a:fld id="{B3FBE7C8-F44F-46A4-ADFD-275A97E64713}" type="datetimeFigureOut">
               <a:rPr lang="it-IT" smtClean="0"/>
-              <a:t>03/09/2024</a:t>
+              <a:t>10/09/2024</a:t>
             </a:fld>
             <a:endParaRPr lang="it-IT"/>
           </a:p>
@@ -12752,7 +12752,7 @@
           <a:p>
             <a:fld id="{B3FBE7C8-F44F-46A4-ADFD-275A97E64713}" type="datetimeFigureOut">
               <a:rPr lang="it-IT" smtClean="0"/>
-              <a:t>03/09/2024</a:t>
+              <a:t>10/09/2024</a:t>
             </a:fld>
             <a:endParaRPr lang="it-IT"/>
           </a:p>
@@ -12865,7 +12865,7 @@
           <a:p>
             <a:fld id="{B3FBE7C8-F44F-46A4-ADFD-275A97E64713}" type="datetimeFigureOut">
               <a:rPr lang="it-IT" smtClean="0"/>
-              <a:t>03/09/2024</a:t>
+              <a:t>10/09/2024</a:t>
             </a:fld>
             <a:endParaRPr lang="it-IT"/>
           </a:p>
@@ -13176,7 +13176,7 @@
           <a:p>
             <a:fld id="{B3FBE7C8-F44F-46A4-ADFD-275A97E64713}" type="datetimeFigureOut">
               <a:rPr lang="it-IT" smtClean="0"/>
-              <a:t>03/09/2024</a:t>
+              <a:t>10/09/2024</a:t>
             </a:fld>
             <a:endParaRPr lang="it-IT"/>
           </a:p>
@@ -13464,7 +13464,7 @@
           <a:p>
             <a:fld id="{B3FBE7C8-F44F-46A4-ADFD-275A97E64713}" type="datetimeFigureOut">
               <a:rPr lang="it-IT" smtClean="0"/>
-              <a:t>03/09/2024</a:t>
+              <a:t>10/09/2024</a:t>
             </a:fld>
             <a:endParaRPr lang="it-IT"/>
           </a:p>
@@ -13705,7 +13705,7 @@
           <a:p>
             <a:fld id="{B3FBE7C8-F44F-46A4-ADFD-275A97E64713}" type="datetimeFigureOut">
               <a:rPr lang="it-IT" smtClean="0"/>
-              <a:t>03/09/2024</a:t>
+              <a:t>10/09/2024</a:t>
             </a:fld>
             <a:endParaRPr lang="it-IT"/>
           </a:p>
@@ -15491,6 +15491,42 @@
           <a:chExt cx="0" cy="0"/>
         </a:xfrm>
       </p:grpSpPr>
+      <p:pic>
+        <p:nvPicPr>
+          <p:cNvPr id="5" name="Picture 4" descr="A screenshot of a video game&#10;&#10;Description automatically generated">
+            <a:extLst>
+              <a:ext uri="{FF2B5EF4-FFF2-40B4-BE49-F238E27FC236}">
+                <a16:creationId xmlns:a16="http://schemas.microsoft.com/office/drawing/2014/main" id="{41069917-984F-6494-E04C-91D83BF32753}"/>
+              </a:ext>
+            </a:extLst>
+          </p:cNvPr>
+          <p:cNvPicPr>
+            <a:picLocks noChangeAspect="1"/>
+          </p:cNvPicPr>
+          <p:nvPr/>
+        </p:nvPicPr>
+        <p:blipFill>
+          <a:blip r:embed="rId2">
+            <a:extLst>
+              <a:ext uri="{28A0092B-C50C-407E-A947-70E740481C1C}">
+                <a14:useLocalDpi xmlns:a14="http://schemas.microsoft.com/office/drawing/2010/main" val="0"/>
+              </a:ext>
+            </a:extLst>
+          </a:blip>
+          <a:stretch>
+            <a:fillRect/>
+          </a:stretch>
+        </p:blipFill>
+        <p:spPr>
+          <a:xfrm>
+            <a:off x="1073664" y="5082885"/>
+            <a:ext cx="1922096" cy="1484170"/>
+          </a:xfrm>
+          <a:prstGeom prst="roundRect">
+            <a:avLst/>
+          </a:prstGeom>
+        </p:spPr>
+      </p:pic>
       <p:sp>
         <p:nvSpPr>
           <p:cNvPr id="2" name="Titolo 1">
@@ -15541,7 +15577,7 @@
           <p:nvPr/>
         </p:nvPicPr>
         <p:blipFill>
-          <a:blip r:embed="rId2"/>
+          <a:blip r:embed="rId3"/>
           <a:stretch>
             <a:fillRect/>
           </a:stretch>
@@ -16171,14 +16207,13 @@
         </p:nvSpPr>
         <p:spPr>
           <a:xfrm>
-            <a:off x="1008339" y="5086927"/>
-            <a:ext cx="2052747" cy="1058078"/>
+            <a:off x="1073664" y="5086927"/>
+            <a:ext cx="1922095" cy="1480128"/>
           </a:xfrm>
           <a:prstGeom prst="roundRect">
-            <a:avLst>
-              <a:gd name="adj" fmla="val 8957"/>
-            </a:avLst>
+            <a:avLst/>
           </a:prstGeom>
+          <a:noFill/>
         </p:spPr>
         <p:style>
           <a:lnRef idx="2">
@@ -16200,57 +16235,6 @@
           <a:p>
             <a:pPr algn="ctr"/>
             <a:endParaRPr lang="it-IT"/>
-          </a:p>
-        </p:txBody>
-      </p:sp>
-      <p:sp>
-        <p:nvSpPr>
-          <p:cNvPr id="20" name="TextBox 19">
-            <a:extLst>
-              <a:ext uri="{FF2B5EF4-FFF2-40B4-BE49-F238E27FC236}">
-                <a16:creationId xmlns:a16="http://schemas.microsoft.com/office/drawing/2014/main" id="{35B48B15-D038-6586-44C2-9AEE9DCF1BEF}"/>
-              </a:ext>
-            </a:extLst>
-          </p:cNvPr>
-          <p:cNvSpPr txBox="1"/>
-          <p:nvPr/>
-        </p:nvSpPr>
-        <p:spPr>
-          <a:xfrm>
-            <a:off x="913711" y="5246634"/>
-            <a:ext cx="2242001" cy="738664"/>
-          </a:xfrm>
-          <a:prstGeom prst="rect">
-            <a:avLst/>
-          </a:prstGeom>
-          <a:noFill/>
-        </p:spPr>
-        <p:txBody>
-          <a:bodyPr wrap="square" rtlCol="0">
-            <a:spAutoFit/>
-          </a:bodyPr>
-          <a:lstStyle/>
-          <a:p>
-            <a:pPr algn="ctr"/>
-            <a:r>
-              <a:rPr lang="en-US" sz="1400" dirty="0"/>
-              <a:t>INSERIRE IMMAGINE</a:t>
-            </a:r>
-          </a:p>
-          <a:p>
-            <a:pPr algn="ctr"/>
-            <a:r>
-              <a:rPr lang="en-US" sz="1400" dirty="0"/>
-              <a:t>AMBIENTE SIMULATO</a:t>
-            </a:r>
-            <a:br>
-              <a:rPr lang="en-US" sz="1400" dirty="0"/>
-            </a:br>
-            <a:r>
-              <a:rPr lang="en-US" sz="1400" dirty="0"/>
-              <a:t>CON DRONE E OSTACOLI</a:t>
-            </a:r>
-            <a:endParaRPr lang="it-IT" sz="1400" dirty="0"/>
           </a:p>
         </p:txBody>
       </p:sp>
@@ -17349,7 +17333,7 @@
                 <a:ea typeface="Iosevka" panose="02000509030000000004" pitchFamily="49" charset="0"/>
                 <a:cs typeface="Iosevka" panose="02000509030000000004" pitchFamily="49" charset="0"/>
               </a:rPr>
-              <a:t>Copy GPU tensor to CPU</a:t>
+              <a:t>Copy GPU image tensor to CPU</a:t>
             </a:r>
             <a:endParaRPr lang="it-IT" sz="1600" dirty="0"/>
           </a:p>
@@ -17447,106 +17431,6 @@
           </a:p>
         </p:txBody>
       </p:sp>
-      <p:sp>
-        <p:nvSpPr>
-          <p:cNvPr id="43" name="Rectangle: Rounded Corners 28">
-            <a:extLst>
-              <a:ext uri="{FF2B5EF4-FFF2-40B4-BE49-F238E27FC236}">
-                <a16:creationId xmlns:a16="http://schemas.microsoft.com/office/drawing/2014/main" id="{5638A83A-217E-665C-56F1-EE47756CD834}"/>
-              </a:ext>
-            </a:extLst>
-          </p:cNvPr>
-          <p:cNvSpPr/>
-          <p:nvPr/>
-        </p:nvSpPr>
-        <p:spPr>
-          <a:xfrm>
-            <a:off x="4602136" y="4027491"/>
-            <a:ext cx="1576582" cy="355988"/>
-          </a:xfrm>
-          <a:prstGeom prst="roundRect">
-            <a:avLst>
-              <a:gd name="adj" fmla="val 8957"/>
-            </a:avLst>
-          </a:prstGeom>
-        </p:spPr>
-        <p:style>
-          <a:lnRef idx="2">
-            <a:schemeClr val="accent1"/>
-          </a:lnRef>
-          <a:fillRef idx="1">
-            <a:schemeClr val="lt1"/>
-          </a:fillRef>
-          <a:effectRef idx="0">
-            <a:schemeClr val="accent1"/>
-          </a:effectRef>
-          <a:fontRef idx="minor">
-            <a:schemeClr val="dk1"/>
-          </a:fontRef>
-        </p:style>
-        <p:txBody>
-          <a:bodyPr rtlCol="0" anchor="ctr"/>
-          <a:lstStyle/>
-          <a:p>
-            <a:pPr algn="ctr"/>
-            <a:r>
-              <a:rPr lang="en-US" sz="1600" dirty="0"/>
-              <a:t>Depth camera</a:t>
-            </a:r>
-            <a:endParaRPr lang="it-IT" sz="1600" dirty="0"/>
-          </a:p>
-        </p:txBody>
-      </p:sp>
-      <p:sp>
-        <p:nvSpPr>
-          <p:cNvPr id="44" name="Rectangle: Rounded Corners 28">
-            <a:extLst>
-              <a:ext uri="{FF2B5EF4-FFF2-40B4-BE49-F238E27FC236}">
-                <a16:creationId xmlns:a16="http://schemas.microsoft.com/office/drawing/2014/main" id="{2B5B2410-8B1E-2C34-912F-4DB4707793BF}"/>
-              </a:ext>
-            </a:extLst>
-          </p:cNvPr>
-          <p:cNvSpPr/>
-          <p:nvPr/>
-        </p:nvSpPr>
-        <p:spPr>
-          <a:xfrm>
-            <a:off x="4602136" y="4635841"/>
-            <a:ext cx="1576582" cy="355988"/>
-          </a:xfrm>
-          <a:prstGeom prst="roundRect">
-            <a:avLst>
-              <a:gd name="adj" fmla="val 8957"/>
-            </a:avLst>
-          </a:prstGeom>
-        </p:spPr>
-        <p:style>
-          <a:lnRef idx="2">
-            <a:schemeClr val="accent1"/>
-          </a:lnRef>
-          <a:fillRef idx="1">
-            <a:schemeClr val="lt1"/>
-          </a:fillRef>
-          <a:effectRef idx="0">
-            <a:schemeClr val="accent1"/>
-          </a:effectRef>
-          <a:fontRef idx="minor">
-            <a:schemeClr val="dk1"/>
-          </a:fontRef>
-        </p:style>
-        <p:txBody>
-          <a:bodyPr rtlCol="0" anchor="ctr"/>
-          <a:lstStyle/>
-          <a:p>
-            <a:pPr algn="ctr"/>
-            <a:r>
-              <a:rPr lang="en-US" sz="1600" dirty="0"/>
-              <a:t>Color camera</a:t>
-            </a:r>
-            <a:endParaRPr lang="it-IT" sz="1600" dirty="0"/>
-          </a:p>
-        </p:txBody>
-      </p:sp>
       <p:cxnSp>
         <p:nvCxnSpPr>
           <p:cNvPr id="48" name="Straight Arrow Connector 47">
@@ -17566,7 +17450,7 @@
         <p:spPr>
           <a:xfrm>
             <a:off x="4231516" y="4511937"/>
-            <a:ext cx="370620" cy="301898"/>
+            <a:ext cx="368012" cy="698110"/>
           </a:xfrm>
           <a:prstGeom prst="bentConnector3">
             <a:avLst>
@@ -17610,8 +17494,8 @@
         </p:nvCxnSpPr>
         <p:spPr>
           <a:xfrm flipV="1">
-            <a:off x="4231516" y="4205485"/>
-            <a:ext cx="370620" cy="306452"/>
+            <a:off x="4231516" y="3996450"/>
+            <a:ext cx="370620" cy="515487"/>
           </a:xfrm>
           <a:prstGeom prst="bentConnector3">
             <a:avLst>
@@ -17637,12 +17521,101 @@
           </a:fontRef>
         </p:style>
       </p:cxnSp>
+      <p:sp>
+        <p:nvSpPr>
+          <p:cNvPr id="55" name="Oval 54">
+            <a:extLst>
+              <a:ext uri="{FF2B5EF4-FFF2-40B4-BE49-F238E27FC236}">
+                <a16:creationId xmlns:a16="http://schemas.microsoft.com/office/drawing/2014/main" id="{D53CD71E-7BF3-7E6D-17C9-5516094D6ED8}"/>
+              </a:ext>
+            </a:extLst>
+          </p:cNvPr>
+          <p:cNvSpPr/>
+          <p:nvPr/>
+        </p:nvSpPr>
+        <p:spPr>
+          <a:xfrm>
+            <a:off x="3305627" y="4270828"/>
+            <a:ext cx="685800" cy="264886"/>
+          </a:xfrm>
+          <a:prstGeom prst="ellipse">
+            <a:avLst/>
+          </a:prstGeom>
+          <a:noFill/>
+          <a:ln w="12700"/>
+        </p:spPr>
+        <p:style>
+          <a:lnRef idx="2">
+            <a:schemeClr val="accent2"/>
+          </a:lnRef>
+          <a:fillRef idx="1">
+            <a:schemeClr val="lt1"/>
+          </a:fillRef>
+          <a:effectRef idx="0">
+            <a:schemeClr val="accent2"/>
+          </a:effectRef>
+          <a:fontRef idx="minor">
+            <a:schemeClr val="dk1"/>
+          </a:fontRef>
+        </p:style>
+        <p:txBody>
+          <a:bodyPr rtlCol="0" anchor="ctr"/>
+          <a:lstStyle/>
+          <a:p>
+            <a:pPr algn="ctr"/>
+            <a:endParaRPr lang="it-IT"/>
+          </a:p>
+        </p:txBody>
+      </p:sp>
+      <p:cxnSp>
+        <p:nvCxnSpPr>
+          <p:cNvPr id="57" name="Straight Arrow Connector 56">
+            <a:extLst>
+              <a:ext uri="{FF2B5EF4-FFF2-40B4-BE49-F238E27FC236}">
+                <a16:creationId xmlns:a16="http://schemas.microsoft.com/office/drawing/2014/main" id="{9657E00E-01DD-D3BF-94C7-74275C429B1C}"/>
+              </a:ext>
+            </a:extLst>
+          </p:cNvPr>
+          <p:cNvCxnSpPr>
+            <a:cxnSpLocks/>
+            <a:stCxn id="55" idx="0"/>
+            <a:endCxn id="16" idx="2"/>
+          </p:cNvCxnSpPr>
+          <p:nvPr/>
+        </p:nvCxnSpPr>
+        <p:spPr>
+          <a:xfrm flipV="1">
+            <a:off x="3648527" y="3763233"/>
+            <a:ext cx="360368" cy="507595"/>
+          </a:xfrm>
+          <a:prstGeom prst="straightConnector1">
+            <a:avLst/>
+          </a:prstGeom>
+          <a:ln w="12700">
+            <a:tailEnd type="triangle"/>
+          </a:ln>
+        </p:spPr>
+        <p:style>
+          <a:lnRef idx="2">
+            <a:schemeClr val="accent2"/>
+          </a:lnRef>
+          <a:fillRef idx="0">
+            <a:schemeClr val="accent2"/>
+          </a:fillRef>
+          <a:effectRef idx="1">
+            <a:schemeClr val="accent2"/>
+          </a:effectRef>
+          <a:fontRef idx="minor">
+            <a:schemeClr val="tx1"/>
+          </a:fontRef>
+        </p:style>
+      </p:cxnSp>
       <p:grpSp>
         <p:nvGrpSpPr>
-          <p:cNvPr id="60" name="Group 59">
+          <p:cNvPr id="28" name="Group 27">
             <a:extLst>
               <a:ext uri="{FF2B5EF4-FFF2-40B4-BE49-F238E27FC236}">
-                <a16:creationId xmlns:a16="http://schemas.microsoft.com/office/drawing/2014/main" id="{1F8B5DD8-8128-F73D-DC5B-1EC598DE38A1}"/>
+                <a16:creationId xmlns:a16="http://schemas.microsoft.com/office/drawing/2014/main" id="{63F99DA6-E84B-CEDA-C402-94B1C5F9E23A}"/>
               </a:ext>
             </a:extLst>
           </p:cNvPr>
@@ -17651,18 +17624,18 @@
         </p:nvGrpSpPr>
         <p:grpSpPr>
           <a:xfrm>
-            <a:off x="3087247" y="3008550"/>
-            <a:ext cx="2300572" cy="1527164"/>
-            <a:chOff x="3087247" y="3008550"/>
-            <a:chExt cx="2300572" cy="1527164"/>
+            <a:off x="4602136" y="3452256"/>
+            <a:ext cx="1576582" cy="1088387"/>
+            <a:chOff x="4602136" y="3793380"/>
+            <a:chExt cx="1576582" cy="1088387"/>
           </a:xfrm>
         </p:grpSpPr>
         <p:sp>
           <p:nvSpPr>
-            <p:cNvPr id="16" name="Rectangle: Rounded Corners 28">
+            <p:cNvPr id="43" name="Rectangle: Rounded Corners 28">
               <a:extLst>
                 <a:ext uri="{FF2B5EF4-FFF2-40B4-BE49-F238E27FC236}">
-                  <a16:creationId xmlns:a16="http://schemas.microsoft.com/office/drawing/2014/main" id="{9F8A4196-CF25-80CB-768D-7A0274933FE1}"/>
+                  <a16:creationId xmlns:a16="http://schemas.microsoft.com/office/drawing/2014/main" id="{5638A83A-217E-665C-56F1-EE47756CD834}"/>
                 </a:ext>
               </a:extLst>
             </p:cNvPr>
@@ -17671,8 +17644,8 @@
           </p:nvSpPr>
           <p:spPr>
             <a:xfrm>
-              <a:off x="3087247" y="3008550"/>
-              <a:ext cx="2300572" cy="746147"/>
+              <a:off x="4602136" y="3793380"/>
+              <a:ext cx="1576582" cy="1088387"/>
             </a:xfrm>
             <a:prstGeom prst="roundRect">
               <a:avLst>
@@ -17681,57 +17654,95 @@
             </a:prstGeom>
           </p:spPr>
           <p:style>
-            <a:lnRef idx="3">
-              <a:schemeClr val="lt1"/>
+            <a:lnRef idx="2">
+              <a:schemeClr val="accent1"/>
             </a:lnRef>
             <a:fillRef idx="1">
-              <a:schemeClr val="accent2"/>
+              <a:schemeClr val="lt1"/>
             </a:fillRef>
-            <a:effectRef idx="1">
-              <a:schemeClr val="accent2"/>
+            <a:effectRef idx="0">
+              <a:schemeClr val="accent1"/>
             </a:effectRef>
             <a:fontRef idx="minor">
-              <a:schemeClr val="lt1"/>
+              <a:schemeClr val="dk1"/>
             </a:fontRef>
           </p:style>
           <p:txBody>
-            <a:bodyPr rtlCol="0" anchor="ctr"/>
+            <a:bodyPr rtlCol="0" anchor="t" anchorCtr="0"/>
             <a:lstStyle/>
             <a:p>
               <a:pPr algn="ctr"/>
               <a:r>
-                <a:rPr lang="en-US" sz="1400" dirty="0">
-                  <a:solidFill>
-                    <a:schemeClr val="bg1"/>
-                  </a:solidFill>
-                </a:rPr>
-                <a:t>⚠️ </a:t>
+                <a:rPr lang="en-US" sz="1600" dirty="0"/>
+                <a:t>Depth camera</a:t>
               </a:r>
-            </a:p>
-            <a:p>
-              <a:pPr algn="ctr"/>
-              <a:r>
-                <a:rPr lang="en-US" sz="1400" dirty="0">
-                  <a:solidFill>
-                    <a:schemeClr val="bg1"/>
-                  </a:solidFill>
-                </a:rPr>
-                <a:t>Cameras are sensors not actors</a:t>
-              </a:r>
-              <a:endParaRPr lang="it-IT" sz="1400" dirty="0">
-                <a:solidFill>
-                  <a:schemeClr val="bg1"/>
-                </a:solidFill>
-              </a:endParaRPr>
+              <a:endParaRPr lang="it-IT" sz="1600" dirty="0"/>
             </a:p>
           </p:txBody>
         </p:sp>
+        <p:pic>
+          <p:nvPicPr>
+            <p:cNvPr id="10" name="Picture 9" descr="A black and white square&#10;&#10;Description automatically generated">
+              <a:extLst>
+                <a:ext uri="{FF2B5EF4-FFF2-40B4-BE49-F238E27FC236}">
+                  <a16:creationId xmlns:a16="http://schemas.microsoft.com/office/drawing/2014/main" id="{0732685C-F0E4-8F3C-654F-76B5B89C9A73}"/>
+                </a:ext>
+              </a:extLst>
+            </p:cNvPr>
+            <p:cNvPicPr>
+              <a:picLocks noChangeAspect="1"/>
+            </p:cNvPicPr>
+            <p:nvPr/>
+          </p:nvPicPr>
+          <p:blipFill>
+            <a:blip r:embed="rId5">
+              <a:extLst>
+                <a:ext uri="{28A0092B-C50C-407E-A947-70E740481C1C}">
+                  <a14:useLocalDpi xmlns:a14="http://schemas.microsoft.com/office/drawing/2010/main" val="0"/>
+                </a:ext>
+              </a:extLst>
+            </a:blip>
+            <a:stretch>
+              <a:fillRect/>
+            </a:stretch>
+          </p:blipFill>
+          <p:spPr>
+            <a:xfrm>
+              <a:off x="4818927" y="4175661"/>
+              <a:ext cx="1143000" cy="638175"/>
+            </a:xfrm>
+            <a:prstGeom prst="rect">
+              <a:avLst/>
+            </a:prstGeom>
+          </p:spPr>
+        </p:pic>
+      </p:grpSp>
+      <p:grpSp>
+        <p:nvGrpSpPr>
+          <p:cNvPr id="29" name="Group 28">
+            <a:extLst>
+              <a:ext uri="{FF2B5EF4-FFF2-40B4-BE49-F238E27FC236}">
+                <a16:creationId xmlns:a16="http://schemas.microsoft.com/office/drawing/2014/main" id="{5C647F77-3BEA-7EA4-9C34-DB4CA1714D34}"/>
+              </a:ext>
+            </a:extLst>
+          </p:cNvPr>
+          <p:cNvGrpSpPr/>
+          <p:nvPr/>
+        </p:nvGrpSpPr>
+        <p:grpSpPr>
+          <a:xfrm>
+            <a:off x="4599528" y="4665853"/>
+            <a:ext cx="1576582" cy="1088387"/>
+            <a:chOff x="4602136" y="4992020"/>
+            <a:chExt cx="1576582" cy="1088387"/>
+          </a:xfrm>
+        </p:grpSpPr>
         <p:sp>
           <p:nvSpPr>
-            <p:cNvPr id="55" name="Oval 54">
+            <p:cNvPr id="44" name="Rectangle: Rounded Corners 28">
               <a:extLst>
                 <a:ext uri="{FF2B5EF4-FFF2-40B4-BE49-F238E27FC236}">
-                  <a16:creationId xmlns:a16="http://schemas.microsoft.com/office/drawing/2014/main" id="{D53CD71E-7BF3-7E6D-17C9-5516094D6ED8}"/>
+                  <a16:creationId xmlns:a16="http://schemas.microsoft.com/office/drawing/2014/main" id="{2B5B2410-8B1E-2C34-912F-4DB4707793BF}"/>
                 </a:ext>
               </a:extLst>
             </p:cNvPr>
@@ -17740,82 +17751,148 @@
           </p:nvSpPr>
           <p:spPr>
             <a:xfrm>
-              <a:off x="3305627" y="4270828"/>
-              <a:ext cx="685800" cy="264886"/>
+              <a:off x="4602136" y="4992020"/>
+              <a:ext cx="1576582" cy="1088387"/>
             </a:xfrm>
-            <a:prstGeom prst="ellipse">
-              <a:avLst/>
+            <a:prstGeom prst="roundRect">
+              <a:avLst>
+                <a:gd name="adj" fmla="val 8957"/>
+              </a:avLst>
             </a:prstGeom>
-            <a:noFill/>
-            <a:ln w="12700"/>
           </p:spPr>
           <p:style>
             <a:lnRef idx="2">
-              <a:schemeClr val="accent2"/>
+              <a:schemeClr val="accent1"/>
             </a:lnRef>
             <a:fillRef idx="1">
               <a:schemeClr val="lt1"/>
             </a:fillRef>
             <a:effectRef idx="0">
-              <a:schemeClr val="accent2"/>
+              <a:schemeClr val="accent1"/>
             </a:effectRef>
             <a:fontRef idx="minor">
               <a:schemeClr val="dk1"/>
             </a:fontRef>
           </p:style>
           <p:txBody>
-            <a:bodyPr rtlCol="0" anchor="ctr"/>
+            <a:bodyPr rtlCol="0" anchor="t" anchorCtr="0"/>
             <a:lstStyle/>
             <a:p>
               <a:pPr algn="ctr"/>
-              <a:endParaRPr lang="it-IT"/>
+              <a:r>
+                <a:rPr lang="en-US" sz="1600" dirty="0"/>
+                <a:t>Color camera</a:t>
+              </a:r>
+              <a:endParaRPr lang="it-IT" sz="1600" dirty="0"/>
             </a:p>
           </p:txBody>
         </p:sp>
-        <p:cxnSp>
-          <p:nvCxnSpPr>
-            <p:cNvPr id="57" name="Straight Arrow Connector 56">
+        <p:pic>
+          <p:nvPicPr>
+            <p:cNvPr id="23" name="Picture 22" descr="A pixelated room with squares&#10;&#10;Description automatically generated">
               <a:extLst>
                 <a:ext uri="{FF2B5EF4-FFF2-40B4-BE49-F238E27FC236}">
-                  <a16:creationId xmlns:a16="http://schemas.microsoft.com/office/drawing/2014/main" id="{9657E00E-01DD-D3BF-94C7-74275C429B1C}"/>
+                  <a16:creationId xmlns:a16="http://schemas.microsoft.com/office/drawing/2014/main" id="{4ACBB947-3EB5-2310-A847-55FB436AF29F}"/>
                 </a:ext>
               </a:extLst>
             </p:cNvPr>
-            <p:cNvCxnSpPr>
-              <a:cxnSpLocks/>
-              <a:stCxn id="55" idx="0"/>
-              <a:endCxn id="16" idx="2"/>
-            </p:cNvCxnSpPr>
+            <p:cNvPicPr>
+              <a:picLocks noChangeAspect="1"/>
+            </p:cNvPicPr>
             <p:nvPr/>
-          </p:nvCxnSpPr>
+          </p:nvPicPr>
+          <p:blipFill>
+            <a:blip r:embed="rId6">
+              <a:extLst>
+                <a:ext uri="{28A0092B-C50C-407E-A947-70E740481C1C}">
+                  <a14:useLocalDpi xmlns:a14="http://schemas.microsoft.com/office/drawing/2010/main" val="0"/>
+                </a:ext>
+              </a:extLst>
+            </a:blip>
+            <a:stretch>
+              <a:fillRect/>
+            </a:stretch>
+          </p:blipFill>
           <p:spPr>
-            <a:xfrm flipV="1">
-              <a:off x="3648527" y="3754697"/>
-              <a:ext cx="589006" cy="516131"/>
+            <a:xfrm>
+              <a:off x="4818927" y="5370072"/>
+              <a:ext cx="1143000" cy="638175"/>
             </a:xfrm>
-            <a:prstGeom prst="straightConnector1">
+            <a:prstGeom prst="rect">
               <a:avLst/>
             </a:prstGeom>
-            <a:ln w="12700">
-              <a:tailEnd type="triangle"/>
-            </a:ln>
           </p:spPr>
-          <p:style>
-            <a:lnRef idx="2">
-              <a:schemeClr val="accent2"/>
-            </a:lnRef>
-            <a:fillRef idx="0">
-              <a:schemeClr val="accent2"/>
-            </a:fillRef>
-            <a:effectRef idx="1">
-              <a:schemeClr val="accent2"/>
-            </a:effectRef>
-            <a:fontRef idx="minor">
-              <a:schemeClr val="tx1"/>
-            </a:fontRef>
-          </p:style>
-        </p:cxnSp>
+        </p:pic>
       </p:grpSp>
+      <p:sp>
+        <p:nvSpPr>
+          <p:cNvPr id="16" name="Rectangle: Rounded Corners 28">
+            <a:extLst>
+              <a:ext uri="{FF2B5EF4-FFF2-40B4-BE49-F238E27FC236}">
+                <a16:creationId xmlns:a16="http://schemas.microsoft.com/office/drawing/2014/main" id="{9F8A4196-CF25-80CB-768D-7A0274933FE1}"/>
+              </a:ext>
+            </a:extLst>
+          </p:cNvPr>
+          <p:cNvSpPr/>
+          <p:nvPr/>
+        </p:nvSpPr>
+        <p:spPr>
+          <a:xfrm>
+            <a:off x="2858609" y="3017086"/>
+            <a:ext cx="2300572" cy="746147"/>
+          </a:xfrm>
+          <a:prstGeom prst="roundRect">
+            <a:avLst>
+              <a:gd name="adj" fmla="val 8957"/>
+            </a:avLst>
+          </a:prstGeom>
+        </p:spPr>
+        <p:style>
+          <a:lnRef idx="3">
+            <a:schemeClr val="lt1"/>
+          </a:lnRef>
+          <a:fillRef idx="1">
+            <a:schemeClr val="accent2"/>
+          </a:fillRef>
+          <a:effectRef idx="1">
+            <a:schemeClr val="accent2"/>
+          </a:effectRef>
+          <a:fontRef idx="minor">
+            <a:schemeClr val="lt1"/>
+          </a:fontRef>
+        </p:style>
+        <p:txBody>
+          <a:bodyPr rtlCol="0" anchor="ctr"/>
+          <a:lstStyle/>
+          <a:p>
+            <a:pPr algn="ctr"/>
+            <a:r>
+              <a:rPr lang="en-US" sz="1400" dirty="0">
+                <a:solidFill>
+                  <a:schemeClr val="bg1"/>
+                </a:solidFill>
+              </a:rPr>
+              <a:t>⚠️ </a:t>
+            </a:r>
+          </a:p>
+          <a:p>
+            <a:pPr algn="ctr"/>
+            <a:r>
+              <a:rPr lang="en-US" sz="1400" dirty="0">
+                <a:solidFill>
+                  <a:schemeClr val="bg1"/>
+                </a:solidFill>
+              </a:rPr>
+              <a:t>Cameras are sensors not actors</a:t>
+            </a:r>
+            <a:endParaRPr lang="it-IT" sz="1400" dirty="0">
+              <a:solidFill>
+                <a:schemeClr val="bg1"/>
+              </a:solidFill>
+            </a:endParaRPr>
+          </a:p>
+        </p:txBody>
+      </p:sp>
     </p:spTree>
     <p:extLst>
       <p:ext uri="{BB962C8B-B14F-4D97-AF65-F5344CB8AC3E}">
@@ -17826,81 +17903,6 @@
   <p:clrMapOvr>
     <a:masterClrMapping/>
   </p:clrMapOvr>
-  <p:timing>
-    <p:tnLst>
-      <p:par>
-        <p:cTn id="1" dur="indefinite" restart="never" nodeType="tmRoot">
-          <p:childTnLst>
-            <p:seq concurrent="1" nextAc="seek">
-              <p:cTn id="2" dur="indefinite" nodeType="mainSeq">
-                <p:childTnLst>
-                  <p:par>
-                    <p:cTn id="3" fill="hold">
-                      <p:stCondLst>
-                        <p:cond delay="indefinite"/>
-                      </p:stCondLst>
-                      <p:childTnLst>
-                        <p:par>
-                          <p:cTn id="4" fill="hold">
-                            <p:stCondLst>
-                              <p:cond delay="0"/>
-                            </p:stCondLst>
-                            <p:childTnLst>
-                              <p:par>
-                                <p:cTn id="5" presetID="1" presetClass="entr" presetSubtype="0" fill="hold" nodeType="clickEffect">
-                                  <p:stCondLst>
-                                    <p:cond delay="0"/>
-                                  </p:stCondLst>
-                                  <p:childTnLst>
-                                    <p:set>
-                                      <p:cBhvr>
-                                        <p:cTn id="6" dur="1" fill="hold">
-                                          <p:stCondLst>
-                                            <p:cond delay="0"/>
-                                          </p:stCondLst>
-                                        </p:cTn>
-                                        <p:tgtEl>
-                                          <p:spTgt spid="60"/>
-                                        </p:tgtEl>
-                                        <p:attrNameLst>
-                                          <p:attrName>style.visibility</p:attrName>
-                                        </p:attrNameLst>
-                                      </p:cBhvr>
-                                      <p:to>
-                                        <p:strVal val="visible"/>
-                                      </p:to>
-                                    </p:set>
-                                  </p:childTnLst>
-                                </p:cTn>
-                              </p:par>
-                            </p:childTnLst>
-                          </p:cTn>
-                        </p:par>
-                      </p:childTnLst>
-                    </p:cTn>
-                  </p:par>
-                </p:childTnLst>
-              </p:cTn>
-              <p:prevCondLst>
-                <p:cond evt="onPrev" delay="0">
-                  <p:tgtEl>
-                    <p:sldTgt/>
-                  </p:tgtEl>
-                </p:cond>
-              </p:prevCondLst>
-              <p:nextCondLst>
-                <p:cond evt="onNext" delay="0">
-                  <p:tgtEl>
-                    <p:sldTgt/>
-                  </p:tgtEl>
-                </p:cond>
-              </p:nextCondLst>
-            </p:seq>
-          </p:childTnLst>
-        </p:cTn>
-      </p:par>
-    </p:tnLst>
-  </p:timing>
 </p:sld>
 </file>
 
@@ -18056,7 +18058,7 @@
         </p:nvGrpSpPr>
         <p:grpSpPr>
           <a:xfrm>
-            <a:off x="7837503" y="2027953"/>
+            <a:off x="7882691" y="3302108"/>
             <a:ext cx="1840679" cy="1570814"/>
             <a:chOff x="7954172" y="3272330"/>
             <a:chExt cx="1840679" cy="1570814"/>
@@ -18355,7 +18357,7 @@
         </p:nvSpPr>
         <p:spPr>
           <a:xfrm>
-            <a:off x="10224574" y="2663914"/>
+            <a:off x="10269762" y="3938069"/>
             <a:ext cx="1509485" cy="696684"/>
           </a:xfrm>
           <a:prstGeom prst="roundRect">
@@ -18385,55 +18387,8 @@
             <a:pPr algn="ctr"/>
             <a:r>
               <a:rPr lang="en-US" dirty="0"/>
-              <a:t>Flight Controller</a:t>
+              <a:t>Controller</a:t>
             </a:r>
-            <a:endParaRPr lang="it-IT" dirty="0"/>
-          </a:p>
-        </p:txBody>
-      </p:sp>
-      <p:sp>
-        <p:nvSpPr>
-          <p:cNvPr id="76" name="Right Brace 75">
-            <a:extLst>
-              <a:ext uri="{FF2B5EF4-FFF2-40B4-BE49-F238E27FC236}">
-                <a16:creationId xmlns:a16="http://schemas.microsoft.com/office/drawing/2014/main" id="{D5381AAB-7B25-8B7A-22CF-BDB3B93194C9}"/>
-              </a:ext>
-            </a:extLst>
-          </p:cNvPr>
-          <p:cNvSpPr/>
-          <p:nvPr/>
-        </p:nvSpPr>
-        <p:spPr>
-          <a:xfrm>
-            <a:off x="9628914" y="2425746"/>
-            <a:ext cx="297038" cy="1173021"/>
-          </a:xfrm>
-          <a:prstGeom prst="rightBrace">
-            <a:avLst>
-              <a:gd name="adj1" fmla="val 0"/>
-              <a:gd name="adj2" fmla="val 50000"/>
-            </a:avLst>
-          </a:prstGeom>
-        </p:spPr>
-        <p:style>
-          <a:lnRef idx="2">
-            <a:schemeClr val="dk1"/>
-          </a:lnRef>
-          <a:fillRef idx="0">
-            <a:schemeClr val="dk1"/>
-          </a:fillRef>
-          <a:effectRef idx="1">
-            <a:schemeClr val="dk1"/>
-          </a:effectRef>
-          <a:fontRef idx="minor">
-            <a:schemeClr val="tx1"/>
-          </a:fontRef>
-        </p:style>
-        <p:txBody>
-          <a:bodyPr rtlCol="0" anchor="ctr"/>
-          <a:lstStyle/>
-          <a:p>
-            <a:pPr algn="ctr"/>
             <a:endParaRPr lang="it-IT" dirty="0"/>
           </a:p>
         </p:txBody>
@@ -18982,7 +18937,7 @@
               <a:pPr algn="ctr"/>
               <a:r>
                 <a:rPr lang="en-US" sz="1600" dirty="0"/>
-                <a:t>Critic Model – Deterministic CNN</a:t>
+                <a:t>Critic Model – Deterministic MLP</a:t>
               </a:r>
               <a:endParaRPr lang="it-IT" sz="1600" dirty="0"/>
             </a:p>
@@ -19025,90 +18980,6 @@
           </p:spPr>
         </p:pic>
       </p:grpSp>
-      <p:cxnSp>
-        <p:nvCxnSpPr>
-          <p:cNvPr id="113" name="Straight Arrow Connector 112">
-            <a:extLst>
-              <a:ext uri="{FF2B5EF4-FFF2-40B4-BE49-F238E27FC236}">
-                <a16:creationId xmlns:a16="http://schemas.microsoft.com/office/drawing/2014/main" id="{2F8F6A79-9283-29AC-A617-C01D5A692CAC}"/>
-              </a:ext>
-            </a:extLst>
-          </p:cNvPr>
-          <p:cNvCxnSpPr>
-            <a:cxnSpLocks/>
-          </p:cNvCxnSpPr>
-          <p:nvPr/>
-        </p:nvCxnSpPr>
-        <p:spPr>
-          <a:xfrm>
-            <a:off x="7291112" y="3027595"/>
-            <a:ext cx="466774" cy="0"/>
-          </a:xfrm>
-          <a:prstGeom prst="straightConnector1">
-            <a:avLst/>
-          </a:prstGeom>
-          <a:ln>
-            <a:tailEnd type="triangle"/>
-          </a:ln>
-        </p:spPr>
-        <p:style>
-          <a:lnRef idx="2">
-            <a:schemeClr val="dk1"/>
-          </a:lnRef>
-          <a:fillRef idx="0">
-            <a:schemeClr val="dk1"/>
-          </a:fillRef>
-          <a:effectRef idx="1">
-            <a:schemeClr val="dk1"/>
-          </a:effectRef>
-          <a:fontRef idx="minor">
-            <a:schemeClr val="tx1"/>
-          </a:fontRef>
-        </p:style>
-      </p:cxnSp>
-      <p:cxnSp>
-        <p:nvCxnSpPr>
-          <p:cNvPr id="128" name="Straight Arrow Connector 127">
-            <a:extLst>
-              <a:ext uri="{FF2B5EF4-FFF2-40B4-BE49-F238E27FC236}">
-                <a16:creationId xmlns:a16="http://schemas.microsoft.com/office/drawing/2014/main" id="{D60A54A8-E370-04CA-4FF7-6FDFC08B048D}"/>
-              </a:ext>
-            </a:extLst>
-          </p:cNvPr>
-          <p:cNvCxnSpPr>
-            <a:cxnSpLocks/>
-            <a:stCxn id="76" idx="1"/>
-            <a:endCxn id="75" idx="1"/>
-          </p:cNvCxnSpPr>
-          <p:nvPr/>
-        </p:nvCxnSpPr>
-        <p:spPr>
-          <a:xfrm flipV="1">
-            <a:off x="9925952" y="3012256"/>
-            <a:ext cx="298622" cy="1"/>
-          </a:xfrm>
-          <a:prstGeom prst="straightConnector1">
-            <a:avLst/>
-          </a:prstGeom>
-          <a:ln>
-            <a:tailEnd type="triangle"/>
-          </a:ln>
-        </p:spPr>
-        <p:style>
-          <a:lnRef idx="2">
-            <a:schemeClr val="dk1"/>
-          </a:lnRef>
-          <a:fillRef idx="0">
-            <a:schemeClr val="dk1"/>
-          </a:fillRef>
-          <a:effectRef idx="1">
-            <a:schemeClr val="dk1"/>
-          </a:effectRef>
-          <a:fontRef idx="minor">
-            <a:schemeClr val="tx1"/>
-          </a:fontRef>
-        </p:style>
-      </p:cxnSp>
       <p:pic>
         <p:nvPicPr>
           <p:cNvPr id="5" name="Graphic 4">
@@ -19262,7 +19133,16 @@
                             <a:ea typeface="Times New Roman" panose="02020603050405020304" pitchFamily="18" charset="0"/>
                             <a:cs typeface="Times New Roman" panose="02020603050405020304" pitchFamily="18" charset="0"/>
                           </a:rPr>
-                          <m:t>𝑡h</m:t>
+                          <m:t>𝑡</m:t>
+                        </m:r>
+                        <m:r>
+                          <a:rPr lang="en-US" sz="1600" i="1" kern="100">
+                            <a:effectLst/>
+                            <a:latin typeface="Cambria Math" panose="02040503050406030204" pitchFamily="18" charset="0"/>
+                            <a:ea typeface="Times New Roman" panose="02020603050405020304" pitchFamily="18" charset="0"/>
+                            <a:cs typeface="Times New Roman" panose="02020603050405020304" pitchFamily="18" charset="0"/>
+                          </a:rPr>
+                          <m:t>h</m:t>
                         </m:r>
                       </m:sub>
                     </m:sSub>
@@ -19382,6 +19262,7 @@
             </a:extLst>
           </p:cNvPr>
           <p:cNvCxnSpPr>
+            <a:cxnSpLocks/>
             <a:stCxn id="23" idx="3"/>
             <a:endCxn id="106" idx="1"/>
           </p:cNvCxnSpPr>
@@ -19394,7 +19275,7 @@
           </a:xfrm>
           <a:prstGeom prst="bentConnector3">
             <a:avLst>
-              <a:gd name="adj1" fmla="val 44568"/>
+              <a:gd name="adj1" fmla="val 50000"/>
             </a:avLst>
           </a:prstGeom>
           <a:ln>
@@ -19416,42 +19297,189 @@
           </a:fontRef>
         </p:style>
       </p:cxnSp>
-      <p:sp>
-        <p:nvSpPr>
-          <p:cNvPr id="15" name="TextBox 14">
+      <p:cxnSp>
+        <p:nvCxnSpPr>
+          <p:cNvPr id="19" name="Connector: Elbow 18">
             <a:extLst>
               <a:ext uri="{FF2B5EF4-FFF2-40B4-BE49-F238E27FC236}">
-                <a16:creationId xmlns:a16="http://schemas.microsoft.com/office/drawing/2014/main" id="{C198FAB0-4651-D0D6-178C-5C2ED1B0731A}"/>
+                <a16:creationId xmlns:a16="http://schemas.microsoft.com/office/drawing/2014/main" id="{4CBD2448-141D-B09E-D8F2-8A72AFEA55A2}"/>
               </a:ext>
             </a:extLst>
           </p:cNvPr>
-          <p:cNvSpPr txBox="1"/>
+          <p:cNvCxnSpPr>
+            <a:stCxn id="106" idx="3"/>
+            <a:endCxn id="55" idx="1"/>
+          </p:cNvCxnSpPr>
           <p:nvPr/>
-        </p:nvSpPr>
+        </p:nvCxnSpPr>
+        <p:spPr>
+          <a:xfrm flipV="1">
+            <a:off x="7145558" y="4289622"/>
+            <a:ext cx="737133" cy="873010"/>
+          </a:xfrm>
+          <a:prstGeom prst="bentConnector3">
+            <a:avLst/>
+          </a:prstGeom>
+          <a:ln>
+            <a:solidFill>
+              <a:schemeClr val="tx1"/>
+            </a:solidFill>
+            <a:tailEnd type="triangle"/>
+          </a:ln>
+        </p:spPr>
+        <p:style>
+          <a:lnRef idx="2">
+            <a:schemeClr val="accent1"/>
+          </a:lnRef>
+          <a:fillRef idx="0">
+            <a:schemeClr val="accent1"/>
+          </a:fillRef>
+          <a:effectRef idx="1">
+            <a:schemeClr val="accent1"/>
+          </a:effectRef>
+          <a:fontRef idx="minor">
+            <a:schemeClr val="tx1"/>
+          </a:fontRef>
+        </p:style>
+      </p:cxnSp>
+      <p:cxnSp>
+        <p:nvCxnSpPr>
+          <p:cNvPr id="22" name="Connector: Elbow 21">
+            <a:extLst>
+              <a:ext uri="{FF2B5EF4-FFF2-40B4-BE49-F238E27FC236}">
+                <a16:creationId xmlns:a16="http://schemas.microsoft.com/office/drawing/2014/main" id="{48F1385D-2464-BD74-7B4E-1D3EA6C7BFE3}"/>
+              </a:ext>
+            </a:extLst>
+          </p:cNvPr>
+          <p:cNvCxnSpPr>
+            <a:stCxn id="6" idx="3"/>
+            <a:endCxn id="55" idx="1"/>
+          </p:cNvCxnSpPr>
+          <p:nvPr/>
+        </p:nvCxnSpPr>
         <p:spPr>
           <a:xfrm>
-            <a:off x="8390810" y="4917557"/>
-            <a:ext cx="2574744" cy="369332"/>
+            <a:off x="7145558" y="3012256"/>
+            <a:ext cx="737133" cy="1277366"/>
           </a:xfrm>
-          <a:prstGeom prst="rect">
+          <a:prstGeom prst="bentConnector3">
             <a:avLst/>
           </a:prstGeom>
-          <a:noFill/>
+          <a:ln>
+            <a:solidFill>
+              <a:schemeClr val="tx1"/>
+            </a:solidFill>
+            <a:tailEnd type="triangle"/>
+          </a:ln>
         </p:spPr>
-        <p:txBody>
-          <a:bodyPr wrap="none" rtlCol="0">
-            <a:spAutoFit/>
-          </a:bodyPr>
-          <a:lstStyle/>
-          <a:p>
-            <a:r>
-              <a:rPr lang="en-US" dirty="0"/>
-              <a:t>CHE CI METTIAMO QUI?</a:t>
-            </a:r>
-            <a:endParaRPr lang="it-IT" dirty="0"/>
-          </a:p>
-        </p:txBody>
-      </p:sp>
+        <p:style>
+          <a:lnRef idx="2">
+            <a:schemeClr val="accent1"/>
+          </a:lnRef>
+          <a:fillRef idx="0">
+            <a:schemeClr val="accent1"/>
+          </a:fillRef>
+          <a:effectRef idx="1">
+            <a:schemeClr val="accent1"/>
+          </a:effectRef>
+          <a:fontRef idx="minor">
+            <a:schemeClr val="tx1"/>
+          </a:fontRef>
+        </p:style>
+      </p:cxnSp>
+      <p:cxnSp>
+        <p:nvCxnSpPr>
+          <p:cNvPr id="29" name="Connector: Elbow 28">
+            <a:extLst>
+              <a:ext uri="{FF2B5EF4-FFF2-40B4-BE49-F238E27FC236}">
+                <a16:creationId xmlns:a16="http://schemas.microsoft.com/office/drawing/2014/main" id="{A1959885-2FE7-BF1C-276B-250E751D24D6}"/>
+              </a:ext>
+            </a:extLst>
+          </p:cNvPr>
+          <p:cNvCxnSpPr>
+            <a:endCxn id="75" idx="1"/>
+          </p:cNvCxnSpPr>
+          <p:nvPr/>
+        </p:nvCxnSpPr>
+        <p:spPr>
+          <a:xfrm>
+            <a:off x="9662092" y="3716208"/>
+            <a:ext cx="607670" cy="570203"/>
+          </a:xfrm>
+          <a:prstGeom prst="bentConnector3">
+            <a:avLst>
+              <a:gd name="adj1" fmla="val 29220"/>
+            </a:avLst>
+          </a:prstGeom>
+          <a:ln>
+            <a:solidFill>
+              <a:schemeClr val="tx1"/>
+            </a:solidFill>
+            <a:tailEnd type="triangle"/>
+          </a:ln>
+        </p:spPr>
+        <p:style>
+          <a:lnRef idx="2">
+            <a:schemeClr val="accent1"/>
+          </a:lnRef>
+          <a:fillRef idx="0">
+            <a:schemeClr val="accent1"/>
+          </a:fillRef>
+          <a:effectRef idx="1">
+            <a:schemeClr val="accent1"/>
+          </a:effectRef>
+          <a:fontRef idx="minor">
+            <a:schemeClr val="tx1"/>
+          </a:fontRef>
+        </p:style>
+      </p:cxnSp>
+      <p:cxnSp>
+        <p:nvCxnSpPr>
+          <p:cNvPr id="30" name="Connector: Elbow 29">
+            <a:extLst>
+              <a:ext uri="{FF2B5EF4-FFF2-40B4-BE49-F238E27FC236}">
+                <a16:creationId xmlns:a16="http://schemas.microsoft.com/office/drawing/2014/main" id="{CD859B5A-5669-D1D5-F608-E05ADF49C7CC}"/>
+              </a:ext>
+            </a:extLst>
+          </p:cNvPr>
+          <p:cNvCxnSpPr>
+            <a:cxnSpLocks/>
+            <a:endCxn id="75" idx="1"/>
+          </p:cNvCxnSpPr>
+          <p:nvPr/>
+        </p:nvCxnSpPr>
+        <p:spPr>
+          <a:xfrm flipV="1">
+            <a:off x="9662092" y="4286411"/>
+            <a:ext cx="607670" cy="570203"/>
+          </a:xfrm>
+          <a:prstGeom prst="bentConnector3">
+            <a:avLst>
+              <a:gd name="adj1" fmla="val 29220"/>
+            </a:avLst>
+          </a:prstGeom>
+          <a:ln>
+            <a:solidFill>
+              <a:schemeClr val="tx1"/>
+            </a:solidFill>
+            <a:tailEnd type="triangle"/>
+          </a:ln>
+        </p:spPr>
+        <p:style>
+          <a:lnRef idx="2">
+            <a:schemeClr val="accent1"/>
+          </a:lnRef>
+          <a:fillRef idx="0">
+            <a:schemeClr val="accent1"/>
+          </a:fillRef>
+          <a:effectRef idx="1">
+            <a:schemeClr val="accent1"/>
+          </a:effectRef>
+          <a:fontRef idx="minor">
+            <a:schemeClr val="tx1"/>
+          </a:fontRef>
+        </p:style>
+      </p:cxnSp>
     </p:spTree>
     <p:extLst>
       <p:ext uri="{BB962C8B-B14F-4D97-AF65-F5344CB8AC3E}">
@@ -19547,42 +19575,6 @@
           </a:prstGeom>
         </p:spPr>
       </p:pic>
-      <p:sp>
-        <p:nvSpPr>
-          <p:cNvPr id="3" name="TextBox 2">
-            <a:extLst>
-              <a:ext uri="{FF2B5EF4-FFF2-40B4-BE49-F238E27FC236}">
-                <a16:creationId xmlns:a16="http://schemas.microsoft.com/office/drawing/2014/main" id="{6BA31D6D-9194-DE49-F150-3C14A3E55E20}"/>
-              </a:ext>
-            </a:extLst>
-          </p:cNvPr>
-          <p:cNvSpPr txBox="1"/>
-          <p:nvPr/>
-        </p:nvSpPr>
-        <p:spPr>
-          <a:xfrm>
-            <a:off x="3069771" y="3599543"/>
-            <a:ext cx="4372544" cy="369332"/>
-          </a:xfrm>
-          <a:prstGeom prst="rect">
-            <a:avLst/>
-          </a:prstGeom>
-          <a:noFill/>
-        </p:spPr>
-        <p:txBody>
-          <a:bodyPr wrap="none" rtlCol="0">
-            <a:spAutoFit/>
-          </a:bodyPr>
-          <a:lstStyle/>
-          <a:p>
-            <a:r>
-              <a:rPr lang="en-US" dirty="0"/>
-              <a:t>DOVE METTIAMO LE RESET CONDITIONS?</a:t>
-            </a:r>
-            <a:endParaRPr lang="it-IT" dirty="0"/>
-          </a:p>
-        </p:txBody>
-      </p:sp>
     </p:spTree>
     <p:extLst>
       <p:ext uri="{BB962C8B-B14F-4D97-AF65-F5344CB8AC3E}">
@@ -20383,7 +20375,7 @@
             </a:r>
             <a:r>
               <a:rPr lang="en-US" sz="2000" dirty="0"/>
-              <a:t> Learned how to built neural networks.</a:t>
+              <a:t> Learned how to build neural networks.</a:t>
             </a:r>
           </a:p>
           <a:p>
@@ -20541,45 +20533,6 @@
               </a:rPr>
               <a:t>Recap</a:t>
             </a:r>
-          </a:p>
-        </p:txBody>
-      </p:sp>
-      <p:sp>
-        <p:nvSpPr>
-          <p:cNvPr id="378" name="CasellaDiTesto 377">
-            <a:extLst>
-              <a:ext uri="{FF2B5EF4-FFF2-40B4-BE49-F238E27FC236}">
-                <a16:creationId xmlns:a16="http://schemas.microsoft.com/office/drawing/2014/main" id="{20203BA2-5F94-171A-E6D0-C696AE07B1BC}"/>
-              </a:ext>
-            </a:extLst>
-          </p:cNvPr>
-          <p:cNvSpPr txBox="1"/>
-          <p:nvPr/>
-        </p:nvSpPr>
-        <p:spPr>
-          <a:xfrm>
-            <a:off x="4187893" y="4715040"/>
-            <a:ext cx="7448936" cy="1255524"/>
-          </a:xfrm>
-          <a:prstGeom prst="rect">
-            <a:avLst/>
-          </a:prstGeom>
-        </p:spPr>
-        <p:txBody>
-          <a:bodyPr vert="horz" lIns="91440" tIns="45720" rIns="91440" bIns="45720" rtlCol="0" anchor="ctr">
-            <a:normAutofit/>
-          </a:bodyPr>
-          <a:lstStyle/>
-          <a:p>
-            <a:pPr>
-              <a:lnSpc>
-                <a:spcPct val="90000"/>
-              </a:lnSpc>
-              <a:spcAft>
-                <a:spcPts val="600"/>
-              </a:spcAft>
-            </a:pPr>
-            <a:endParaRPr lang="en-US" sz="1900" dirty="0"/>
           </a:p>
         </p:txBody>
       </p:sp>
@@ -21364,7 +21317,7 @@
 </file>
 
 <file path=ppt/slides/slide4.xml><?xml version="1.0" encoding="utf-8"?>
-<p:sld xmlns:a="http://schemas.openxmlformats.org/drawingml/2006/main" xmlns:r="http://schemas.openxmlformats.org/officeDocument/2006/relationships" xmlns:p="http://schemas.openxmlformats.org/presentationml/2006/main">
+<p:sld xmlns:a="http://schemas.openxmlformats.org/drawingml/2006/main" xmlns:r="http://schemas.openxmlformats.org/officeDocument/2006/relationships" xmlns:p="http://schemas.openxmlformats.org/presentationml/2006/main" show="0">
   <p:cSld>
     <p:spTree>
       <p:nvGrpSpPr>
@@ -22027,9 +21980,9 @@
         <p:grpSpPr>
           <a:xfrm>
             <a:off x="864696" y="3053927"/>
-            <a:ext cx="1911773" cy="418223"/>
+            <a:ext cx="1987883" cy="418223"/>
             <a:chOff x="838200" y="1811265"/>
-            <a:chExt cx="1911773" cy="418223"/>
+            <a:chExt cx="1987883" cy="418223"/>
           </a:xfrm>
         </p:grpSpPr>
         <p:pic>
@@ -22083,7 +22036,7 @@
           <p:spPr>
             <a:xfrm>
               <a:off x="1256423" y="1857448"/>
-              <a:ext cx="1493550" cy="369332"/>
+              <a:ext cx="1569660" cy="369332"/>
             </a:xfrm>
             <a:prstGeom prst="rect">
               <a:avLst/>
@@ -22097,8 +22050,12 @@
             <a:lstStyle/>
             <a:p>
               <a:r>
-                <a:rPr lang="it-IT" i="1" dirty="0"/>
-                <a:t>Quadrotor.py</a:t>
+                <a:rPr lang="it-IT" i="1" dirty="0">
+                  <a:latin typeface="Iosevka" panose="02000509030000000004" pitchFamily="49" charset="0"/>
+                  <a:ea typeface="Iosevka" panose="02000509030000000004" pitchFamily="49" charset="0"/>
+                  <a:cs typeface="Iosevka" panose="02000509030000000004" pitchFamily="49" charset="0"/>
+                </a:rPr>
+                <a:t>quadrotor.py</a:t>
               </a:r>
             </a:p>
           </p:txBody>
@@ -22119,9 +22076,9 @@
         <p:grpSpPr>
           <a:xfrm>
             <a:off x="4905295" y="2987832"/>
-            <a:ext cx="1279741" cy="418223"/>
+            <a:ext cx="1295386" cy="418223"/>
             <a:chOff x="838200" y="1811265"/>
-            <a:chExt cx="1279741" cy="418223"/>
+            <a:chExt cx="1295386" cy="418223"/>
           </a:xfrm>
         </p:grpSpPr>
         <p:pic>
@@ -22175,7 +22132,7 @@
           <p:spPr>
             <a:xfrm>
               <a:off x="1256423" y="1857448"/>
-              <a:ext cx="861518" cy="369332"/>
+              <a:ext cx="877163" cy="369332"/>
             </a:xfrm>
             <a:prstGeom prst="rect">
               <a:avLst/>
@@ -22189,7 +22146,11 @@
             <a:lstStyle/>
             <a:p>
               <a:r>
-                <a:rPr lang="it-IT" i="1" dirty="0"/>
+                <a:rPr lang="it-IT" i="1" dirty="0">
+                  <a:latin typeface="Iosevka" panose="02000509030000000004" pitchFamily="49" charset="0"/>
+                  <a:ea typeface="Iosevka" panose="02000509030000000004" pitchFamily="49" charset="0"/>
+                  <a:cs typeface="Iosevka" panose="02000509030000000004" pitchFamily="49" charset="0"/>
+                </a:rPr>
                 <a:t>ppo.py</a:t>
               </a:r>
             </a:p>
@@ -23872,7 +23833,7 @@
       </p:pic>
       <p:pic>
         <p:nvPicPr>
-          <p:cNvPr id="5" name="Immagine 4" descr="Immagine che contiene neve, strisce pedonali, aria aperta, inverno&#10;&#10;Descrizione generata automaticamente">
+          <p:cNvPr id="5" name="Immagine 4">
             <a:extLst>
               <a:ext uri="{FF2B5EF4-FFF2-40B4-BE49-F238E27FC236}">
                 <a16:creationId xmlns:a16="http://schemas.microsoft.com/office/drawing/2014/main" id="{1D714A25-E60E-56CF-1D03-899E8541C558}"/>
@@ -23892,14 +23853,13 @@
               </a:ext>
             </a:extLst>
           </a:blip>
-          <a:stretch>
-            <a:fillRect/>
-          </a:stretch>
+          <a:srcRect t="2517"/>
+          <a:stretch/>
         </p:blipFill>
         <p:spPr>
           <a:xfrm>
-            <a:off x="6238280" y="2093039"/>
-            <a:ext cx="5363454" cy="3018562"/>
+            <a:off x="6379596" y="2156246"/>
+            <a:ext cx="5363454" cy="2832296"/>
           </a:xfrm>
           <a:prstGeom prst="rect">
             <a:avLst/>
@@ -23921,9 +23881,9 @@
         <p:grpSpPr>
           <a:xfrm>
             <a:off x="838200" y="1791213"/>
-            <a:ext cx="1948814" cy="493736"/>
+            <a:ext cx="2063396" cy="493736"/>
             <a:chOff x="3085457" y="1903220"/>
-            <a:chExt cx="1948814" cy="493736"/>
+            <a:chExt cx="2063396" cy="493736"/>
           </a:xfrm>
         </p:grpSpPr>
         <p:sp>
@@ -23941,7 +23901,7 @@
           <p:spPr>
             <a:xfrm>
               <a:off x="3579193" y="1965422"/>
-              <a:ext cx="1455078" cy="369332"/>
+              <a:ext cx="1569660" cy="369332"/>
             </a:xfrm>
             <a:prstGeom prst="rect">
               <a:avLst/>
@@ -23955,7 +23915,11 @@
             <a:lstStyle/>
             <a:p>
               <a:r>
-                <a:rPr lang="it-IT" i="1" dirty="0"/>
+                <a:rPr lang="it-IT" i="1" dirty="0">
+                  <a:latin typeface="Iosevka" panose="02000509030000000004" pitchFamily="49" charset="0"/>
+                  <a:ea typeface="Iosevka" panose="02000509030000000004" pitchFamily="49" charset="0"/>
+                  <a:cs typeface="Iosevka" panose="02000509030000000004" pitchFamily="49" charset="0"/>
+                </a:rPr>
                 <a:t>quadrotor.py</a:t>
               </a:r>
             </a:p>
@@ -24607,6 +24571,44 @@
           <a:chExt cx="0" cy="0"/>
         </a:xfrm>
       </p:grpSpPr>
+      <p:pic>
+        <p:nvPicPr>
+          <p:cNvPr id="5" name="Picture 4" descr="A yellow ball in a room&#10;&#10;Description automatically generated">
+            <a:extLst>
+              <a:ext uri="{FF2B5EF4-FFF2-40B4-BE49-F238E27FC236}">
+                <a16:creationId xmlns:a16="http://schemas.microsoft.com/office/drawing/2014/main" id="{7BFF417D-2A05-9609-86A4-9F0BB28EF49C}"/>
+              </a:ext>
+            </a:extLst>
+          </p:cNvPr>
+          <p:cNvPicPr>
+            <a:picLocks noChangeAspect="1"/>
+          </p:cNvPicPr>
+          <p:nvPr/>
+        </p:nvPicPr>
+        <p:blipFill>
+          <a:blip r:embed="rId2">
+            <a:extLst>
+              <a:ext uri="{28A0092B-C50C-407E-A947-70E740481C1C}">
+                <a14:useLocalDpi xmlns:a14="http://schemas.microsoft.com/office/drawing/2010/main" val="0"/>
+              </a:ext>
+            </a:extLst>
+          </a:blip>
+          <a:stretch>
+            <a:fillRect/>
+          </a:stretch>
+        </p:blipFill>
+        <p:spPr>
+          <a:xfrm>
+            <a:off x="939191" y="4557485"/>
+            <a:ext cx="2142393" cy="1313543"/>
+          </a:xfrm>
+          <a:prstGeom prst="roundRect">
+            <a:avLst>
+              <a:gd name="adj" fmla="val 14733"/>
+            </a:avLst>
+          </a:prstGeom>
+        </p:spPr>
+      </p:pic>
       <p:sp>
         <p:nvSpPr>
           <p:cNvPr id="29" name="Rectangle: Rounded Corners 28">
@@ -24621,14 +24623,15 @@
         </p:nvSpPr>
         <p:spPr>
           <a:xfrm>
-            <a:off x="990599" y="4533830"/>
-            <a:ext cx="2052747" cy="1058078"/>
+            <a:off x="927247" y="4550164"/>
+            <a:ext cx="2161642" cy="1325346"/>
           </a:xfrm>
           <a:prstGeom prst="roundRect">
             <a:avLst>
-              <a:gd name="adj" fmla="val 8957"/>
+              <a:gd name="adj" fmla="val 17240"/>
             </a:avLst>
           </a:prstGeom>
+          <a:noFill/>
         </p:spPr>
         <p:style>
           <a:lnRef idx="2">
@@ -24749,7 +24752,7 @@
           <p:nvPr/>
         </p:nvPicPr>
         <p:blipFill>
-          <a:blip r:embed="rId2"/>
+          <a:blip r:embed="rId3"/>
           <a:stretch>
             <a:fillRect/>
           </a:stretch>
@@ -25323,57 +25326,6 @@
               <a:t>4</a:t>
             </a:r>
             <a:endParaRPr lang="it-IT" dirty="0"/>
-          </a:p>
-        </p:txBody>
-      </p:sp>
-      <p:sp>
-        <p:nvSpPr>
-          <p:cNvPr id="20" name="TextBox 19">
-            <a:extLst>
-              <a:ext uri="{FF2B5EF4-FFF2-40B4-BE49-F238E27FC236}">
-                <a16:creationId xmlns:a16="http://schemas.microsoft.com/office/drawing/2014/main" id="{B92F0D7C-947B-CDC5-3B94-2EB37F3AC334}"/>
-              </a:ext>
-            </a:extLst>
-          </p:cNvPr>
-          <p:cNvSpPr txBox="1"/>
-          <p:nvPr/>
-        </p:nvSpPr>
-        <p:spPr>
-          <a:xfrm>
-            <a:off x="1093059" y="4697001"/>
-            <a:ext cx="1840535" cy="738664"/>
-          </a:xfrm>
-          <a:prstGeom prst="rect">
-            <a:avLst/>
-          </a:prstGeom>
-          <a:noFill/>
-        </p:spPr>
-        <p:txBody>
-          <a:bodyPr wrap="square" rtlCol="0">
-            <a:spAutoFit/>
-          </a:bodyPr>
-          <a:lstStyle/>
-          <a:p>
-            <a:pPr algn="ctr"/>
-            <a:r>
-              <a:rPr lang="en-US" sz="1400" dirty="0"/>
-              <a:t>INSERIRE IMMAGINE</a:t>
-            </a:r>
-          </a:p>
-          <a:p>
-            <a:pPr algn="ctr"/>
-            <a:r>
-              <a:rPr lang="en-US" sz="1400" dirty="0"/>
-              <a:t>AMBIENTE SIMULATO</a:t>
-            </a:r>
-            <a:br>
-              <a:rPr lang="en-US" sz="1400" dirty="0"/>
-            </a:br>
-            <a:r>
-              <a:rPr lang="en-US" sz="1400" dirty="0"/>
-              <a:t>CON DRONE E PALLA</a:t>
-            </a:r>
-            <a:endParaRPr lang="it-IT" sz="1400" dirty="0"/>
           </a:p>
         </p:txBody>
       </p:sp>
@@ -25515,7 +25467,7 @@
           <p:nvPr/>
         </p:nvPicPr>
         <p:blipFill>
-          <a:blip r:embed="rId3">
+          <a:blip r:embed="rId4">
             <a:extLst>
               <a:ext uri="{28A0092B-C50C-407E-A947-70E740481C1C}">
                 <a14:useLocalDpi xmlns:a14="http://schemas.microsoft.com/office/drawing/2010/main" val="0"/>
@@ -25899,7 +25851,7 @@
           <p:nvPr/>
         </p:nvPicPr>
         <p:blipFill>
-          <a:blip r:embed="rId4">
+          <a:blip r:embed="rId5">
             <a:extLst>
               <a:ext uri="{28A0092B-C50C-407E-A947-70E740481C1C}">
                 <a14:useLocalDpi xmlns:a14="http://schemas.microsoft.com/office/drawing/2010/main" val="0"/>
@@ -25935,7 +25887,7 @@
           <p:nvPr/>
         </p:nvPicPr>
         <p:blipFill>
-          <a:blip r:embed="rId5">
+          <a:blip r:embed="rId6">
             <a:extLst>
               <a:ext uri="{28A0092B-C50C-407E-A947-70E740481C1C}">
                 <a14:useLocalDpi xmlns:a14="http://schemas.microsoft.com/office/drawing/2010/main" val="0"/>
@@ -26496,55 +26448,8 @@
             <a:pPr algn="ctr"/>
             <a:r>
               <a:rPr lang="en-US" dirty="0"/>
-              <a:t>Flight Controller</a:t>
+              <a:t>Controller</a:t>
             </a:r>
-            <a:endParaRPr lang="it-IT" dirty="0"/>
-          </a:p>
-        </p:txBody>
-      </p:sp>
-      <p:sp>
-        <p:nvSpPr>
-          <p:cNvPr id="76" name="Right Brace 75">
-            <a:extLst>
-              <a:ext uri="{FF2B5EF4-FFF2-40B4-BE49-F238E27FC236}">
-                <a16:creationId xmlns:a16="http://schemas.microsoft.com/office/drawing/2014/main" id="{D5381AAB-7B25-8B7A-22CF-BDB3B93194C9}"/>
-              </a:ext>
-            </a:extLst>
-          </p:cNvPr>
-          <p:cNvSpPr/>
-          <p:nvPr/>
-        </p:nvSpPr>
-        <p:spPr>
-          <a:xfrm>
-            <a:off x="9628914" y="3657995"/>
-            <a:ext cx="297038" cy="1173021"/>
-          </a:xfrm>
-          <a:prstGeom prst="rightBrace">
-            <a:avLst>
-              <a:gd name="adj1" fmla="val 0"/>
-              <a:gd name="adj2" fmla="val 50000"/>
-            </a:avLst>
-          </a:prstGeom>
-        </p:spPr>
-        <p:style>
-          <a:lnRef idx="2">
-            <a:schemeClr val="dk1"/>
-          </a:lnRef>
-          <a:fillRef idx="0">
-            <a:schemeClr val="dk1"/>
-          </a:fillRef>
-          <a:effectRef idx="1">
-            <a:schemeClr val="dk1"/>
-          </a:effectRef>
-          <a:fontRef idx="minor">
-            <a:schemeClr val="tx1"/>
-          </a:fontRef>
-        </p:style>
-        <p:txBody>
-          <a:bodyPr rtlCol="0" anchor="ctr"/>
-          <a:lstStyle/>
-          <a:p>
-            <a:pPr algn="ctr"/>
             <a:endParaRPr lang="it-IT" dirty="0"/>
           </a:p>
         </p:txBody>
@@ -27575,41 +27480,88 @@
       </p:cxnSp>
       <p:cxnSp>
         <p:nvCxnSpPr>
-          <p:cNvPr id="128" name="Straight Arrow Connector 127">
+          <p:cNvPr id="5" name="Connector: Elbow 4">
             <a:extLst>
               <a:ext uri="{FF2B5EF4-FFF2-40B4-BE49-F238E27FC236}">
-                <a16:creationId xmlns:a16="http://schemas.microsoft.com/office/drawing/2014/main" id="{D60A54A8-E370-04CA-4FF7-6FDFC08B048D}"/>
+                <a16:creationId xmlns:a16="http://schemas.microsoft.com/office/drawing/2014/main" id="{A67223BF-9FB8-4CB4-4754-77037049D054}"/>
+              </a:ext>
+            </a:extLst>
+          </p:cNvPr>
+          <p:cNvCxnSpPr/>
+          <p:nvPr/>
+        </p:nvCxnSpPr>
+        <p:spPr>
+          <a:xfrm>
+            <a:off x="9597586" y="3664416"/>
+            <a:ext cx="607670" cy="570203"/>
+          </a:xfrm>
+          <a:prstGeom prst="bentConnector3">
+            <a:avLst>
+              <a:gd name="adj1" fmla="val 29220"/>
+            </a:avLst>
+          </a:prstGeom>
+          <a:ln>
+            <a:solidFill>
+              <a:schemeClr val="tx1"/>
+            </a:solidFill>
+            <a:tailEnd type="triangle"/>
+          </a:ln>
+        </p:spPr>
+        <p:style>
+          <a:lnRef idx="2">
+            <a:schemeClr val="accent1"/>
+          </a:lnRef>
+          <a:fillRef idx="0">
+            <a:schemeClr val="accent1"/>
+          </a:fillRef>
+          <a:effectRef idx="1">
+            <a:schemeClr val="accent1"/>
+          </a:effectRef>
+          <a:fontRef idx="minor">
+            <a:schemeClr val="tx1"/>
+          </a:fontRef>
+        </p:style>
+      </p:cxnSp>
+      <p:cxnSp>
+        <p:nvCxnSpPr>
+          <p:cNvPr id="7" name="Connector: Elbow 6">
+            <a:extLst>
+              <a:ext uri="{FF2B5EF4-FFF2-40B4-BE49-F238E27FC236}">
+                <a16:creationId xmlns:a16="http://schemas.microsoft.com/office/drawing/2014/main" id="{34047E93-AC9E-DBD7-C87C-43B55136B794}"/>
               </a:ext>
             </a:extLst>
           </p:cNvPr>
           <p:cNvCxnSpPr>
             <a:cxnSpLocks/>
-            <a:stCxn id="76" idx="1"/>
-            <a:endCxn id="75" idx="1"/>
           </p:cNvCxnSpPr>
           <p:nvPr/>
         </p:nvCxnSpPr>
         <p:spPr>
           <a:xfrm flipV="1">
-            <a:off x="9925952" y="4244505"/>
-            <a:ext cx="298622" cy="1"/>
+            <a:off x="9597586" y="4234619"/>
+            <a:ext cx="607670" cy="570203"/>
           </a:xfrm>
-          <a:prstGeom prst="straightConnector1">
-            <a:avLst/>
+          <a:prstGeom prst="bentConnector3">
+            <a:avLst>
+              <a:gd name="adj1" fmla="val 29220"/>
+            </a:avLst>
           </a:prstGeom>
           <a:ln>
+            <a:solidFill>
+              <a:schemeClr val="tx1"/>
+            </a:solidFill>
             <a:tailEnd type="triangle"/>
           </a:ln>
         </p:spPr>
         <p:style>
           <a:lnRef idx="2">
-            <a:schemeClr val="dk1"/>
+            <a:schemeClr val="accent1"/>
           </a:lnRef>
           <a:fillRef idx="0">
-            <a:schemeClr val="dk1"/>
+            <a:schemeClr val="accent1"/>
           </a:fillRef>
           <a:effectRef idx="1">
-            <a:schemeClr val="dk1"/>
+            <a:schemeClr val="accent1"/>
           </a:effectRef>
           <a:fontRef idx="minor">
             <a:schemeClr val="tx1"/>
